--- a/Презентация_КП_Бурбах.pptx
+++ b/Презентация_КП_Бурбах.pptx
@@ -10,13 +10,14 @@
     <p:sldId id="258" r:id="rId4"/>
     <p:sldId id="259" r:id="rId5"/>
     <p:sldId id="260" r:id="rId6"/>
-    <p:sldId id="261" r:id="rId7"/>
-    <p:sldId id="262" r:id="rId8"/>
-    <p:sldId id="263" r:id="rId9"/>
-    <p:sldId id="264" r:id="rId10"/>
-    <p:sldId id="265" r:id="rId11"/>
-    <p:sldId id="266" r:id="rId12"/>
-    <p:sldId id="267" r:id="rId13"/>
+    <p:sldId id="268" r:id="rId7"/>
+    <p:sldId id="261" r:id="rId8"/>
+    <p:sldId id="262" r:id="rId9"/>
+    <p:sldId id="263" r:id="rId10"/>
+    <p:sldId id="271" r:id="rId11"/>
+    <p:sldId id="272" r:id="rId12"/>
+    <p:sldId id="266" r:id="rId13"/>
+    <p:sldId id="267" r:id="rId14"/>
   </p:sldIdLst>
   <p:sldSz cx="12192000" cy="6858000"/>
   <p:notesSz cx="6858000" cy="9144000"/>
@@ -349,7 +350,7 @@
           <a:p>
             <a:fld id="{8A4186DF-3E10-42E5-8765-7C568B1ED062}" type="datetimeFigureOut">
               <a:rPr lang="ru-RU" smtClean="0"/>
-              <a:t>15.06.2024</a:t>
+              <a:t>16.06.2024</a:t>
             </a:fld>
             <a:endParaRPr lang="ru-RU"/>
           </a:p>
@@ -569,7 +570,7 @@
           <a:p>
             <a:fld id="{8A4186DF-3E10-42E5-8765-7C568B1ED062}" type="datetimeFigureOut">
               <a:rPr lang="ru-RU" smtClean="0"/>
-              <a:t>15.06.2024</a:t>
+              <a:t>16.06.2024</a:t>
             </a:fld>
             <a:endParaRPr lang="ru-RU"/>
           </a:p>
@@ -837,7 +838,7 @@
           <a:p>
             <a:fld id="{8A4186DF-3E10-42E5-8765-7C568B1ED062}" type="datetimeFigureOut">
               <a:rPr lang="ru-RU" smtClean="0"/>
-              <a:t>15.06.2024</a:t>
+              <a:t>16.06.2024</a:t>
             </a:fld>
             <a:endParaRPr lang="ru-RU"/>
           </a:p>
@@ -1019,7 +1020,7 @@
           <a:p>
             <a:fld id="{8A4186DF-3E10-42E5-8765-7C568B1ED062}" type="datetimeFigureOut">
               <a:rPr lang="ru-RU" smtClean="0"/>
-              <a:t>15.06.2024</a:t>
+              <a:t>16.06.2024</a:t>
             </a:fld>
             <a:endParaRPr lang="ru-RU"/>
           </a:p>
@@ -1374,7 +1375,7 @@
           <a:p>
             <a:fld id="{8A4186DF-3E10-42E5-8765-7C568B1ED062}" type="datetimeFigureOut">
               <a:rPr lang="ru-RU" smtClean="0"/>
-              <a:t>15.06.2024</a:t>
+              <a:t>16.06.2024</a:t>
             </a:fld>
             <a:endParaRPr lang="ru-RU"/>
           </a:p>
@@ -1661,7 +1662,7 @@
           <a:p>
             <a:fld id="{8A4186DF-3E10-42E5-8765-7C568B1ED062}" type="datetimeFigureOut">
               <a:rPr lang="ru-RU" smtClean="0"/>
-              <a:t>15.06.2024</a:t>
+              <a:t>16.06.2024</a:t>
             </a:fld>
             <a:endParaRPr lang="ru-RU"/>
           </a:p>
@@ -2052,7 +2053,7 @@
           <a:p>
             <a:fld id="{8A4186DF-3E10-42E5-8765-7C568B1ED062}" type="datetimeFigureOut">
               <a:rPr lang="ru-RU" smtClean="0"/>
-              <a:t>15.06.2024</a:t>
+              <a:t>16.06.2024</a:t>
             </a:fld>
             <a:endParaRPr lang="ru-RU"/>
           </a:p>
@@ -2182,7 +2183,7 @@
           <a:p>
             <a:fld id="{8A4186DF-3E10-42E5-8765-7C568B1ED062}" type="datetimeFigureOut">
               <a:rPr lang="ru-RU" smtClean="0"/>
-              <a:t>15.06.2024</a:t>
+              <a:t>16.06.2024</a:t>
             </a:fld>
             <a:endParaRPr lang="ru-RU"/>
           </a:p>
@@ -2365,7 +2366,7 @@
           <a:p>
             <a:fld id="{8A4186DF-3E10-42E5-8765-7C568B1ED062}" type="datetimeFigureOut">
               <a:rPr lang="ru-RU" smtClean="0"/>
-              <a:t>15.06.2024</a:t>
+              <a:t>16.06.2024</a:t>
             </a:fld>
             <a:endParaRPr lang="ru-RU"/>
           </a:p>
@@ -2731,7 +2732,7 @@
           <a:p>
             <a:fld id="{8A4186DF-3E10-42E5-8765-7C568B1ED062}" type="datetimeFigureOut">
               <a:rPr lang="ru-RU" smtClean="0"/>
-              <a:t>15.06.2024</a:t>
+              <a:t>16.06.2024</a:t>
             </a:fld>
             <a:endParaRPr lang="ru-RU"/>
           </a:p>
@@ -3120,7 +3121,7 @@
           <a:p>
             <a:fld id="{8A4186DF-3E10-42E5-8765-7C568B1ED062}" type="datetimeFigureOut">
               <a:rPr lang="ru-RU" smtClean="0"/>
-              <a:t>15.06.2024</a:t>
+              <a:t>16.06.2024</a:t>
             </a:fld>
             <a:endParaRPr lang="ru-RU"/>
           </a:p>
@@ -3419,7 +3420,7 @@
           <a:p>
             <a:fld id="{8A4186DF-3E10-42E5-8765-7C568B1ED062}" type="datetimeFigureOut">
               <a:rPr lang="ru-RU" smtClean="0"/>
-              <a:t>15.06.2024</a:t>
+              <a:t>16.06.2024</a:t>
             </a:fld>
             <a:endParaRPr lang="ru-RU"/>
           </a:p>
@@ -4111,10 +4112,10 @@
       </p:grpSpPr>
       <p:pic>
         <p:nvPicPr>
-          <p:cNvPr id="10" name="Рисунок 9">
+          <p:cNvPr id="3" name="Рисунок 2">
             <a:extLst>
               <a:ext uri="{FF2B5EF4-FFF2-40B4-BE49-F238E27FC236}">
-                <a16:creationId xmlns:a16="http://schemas.microsoft.com/office/drawing/2014/main" id="{E57FAE63-5E74-3D93-2E4F-3D750F257320}"/>
+                <a16:creationId xmlns:a16="http://schemas.microsoft.com/office/drawing/2014/main" id="{D44EDC70-0C18-2A41-8555-FF0350D3C9E4}"/>
               </a:ext>
             </a:extLst>
           </p:cNvPr>
@@ -4131,8 +4132,8 @@
         </p:blipFill>
         <p:spPr>
           <a:xfrm>
-            <a:off x="1238232" y="0"/>
-            <a:ext cx="2451947" cy="6116613"/>
+            <a:off x="4377511" y="708034"/>
+            <a:ext cx="6015323" cy="5570879"/>
           </a:xfrm>
           <a:prstGeom prst="rect">
             <a:avLst/>
@@ -4141,10 +4142,10 @@
       </p:pic>
       <p:pic>
         <p:nvPicPr>
-          <p:cNvPr id="2" name="Рисунок 1">
+          <p:cNvPr id="4" name="Рисунок 3">
             <a:extLst>
               <a:ext uri="{FF2B5EF4-FFF2-40B4-BE49-F238E27FC236}">
-                <a16:creationId xmlns:a16="http://schemas.microsoft.com/office/drawing/2014/main" id="{8BD39DC5-59D0-1257-6BC9-640C986AD5A3}"/>
+                <a16:creationId xmlns:a16="http://schemas.microsoft.com/office/drawing/2014/main" id="{C84C16AD-1D4D-E717-0DF2-81DA17ACCE78}"/>
               </a:ext>
             </a:extLst>
           </p:cNvPr>
@@ -4161,8 +4162,8 @@
         </p:blipFill>
         <p:spPr>
           <a:xfrm>
-            <a:off x="4356726" y="769395"/>
-            <a:ext cx="7643522" cy="5197290"/>
+            <a:off x="1020060" y="137159"/>
+            <a:ext cx="2111760" cy="6086395"/>
           </a:xfrm>
           <a:prstGeom prst="rect">
             <a:avLst/>
@@ -4172,20 +4173,20 @@
     </p:spTree>
     <p:extLst>
       <p:ext uri="{BB962C8B-B14F-4D97-AF65-F5344CB8AC3E}">
-        <p14:creationId xmlns:p14="http://schemas.microsoft.com/office/powerpoint/2010/main" val="431466622"/>
+        <p14:creationId xmlns:p14="http://schemas.microsoft.com/office/powerpoint/2010/main" val="638902706"/>
       </p:ext>
     </p:extLst>
   </p:cSld>
   <p:clrMapOvr>
     <a:masterClrMapping/>
   </p:clrMapOvr>
-  <mc:AlternateContent xmlns:mc="http://schemas.openxmlformats.org/markup-compatibility/2006" xmlns:p14="http://schemas.microsoft.com/office/powerpoint/2010/main">
-    <mc:Choice Requires="p14">
+  <mc:AlternateContent xmlns:mc="http://schemas.openxmlformats.org/markup-compatibility/2006">
+    <mc:Choice xmlns:p14="http://schemas.microsoft.com/office/powerpoint/2010/main" Requires="p14">
       <p:transition p14:dur="250">
         <p:fade/>
       </p:transition>
     </mc:Choice>
-    <mc:Fallback xmlns="">
+    <mc:Fallback>
       <p:transition>
         <p:fade/>
       </p:transition>
@@ -4195,6 +4196,108 @@
 </file>
 
 <file path=ppt/slides/slide11.xml><?xml version="1.0" encoding="utf-8"?>
+<p:sld xmlns:a="http://schemas.openxmlformats.org/drawingml/2006/main" xmlns:r="http://schemas.openxmlformats.org/officeDocument/2006/relationships" xmlns:p="http://schemas.openxmlformats.org/presentationml/2006/main">
+  <p:cSld>
+    <p:spTree>
+      <p:nvGrpSpPr>
+        <p:cNvPr id="1" name=""/>
+        <p:cNvGrpSpPr/>
+        <p:nvPr/>
+      </p:nvGrpSpPr>
+      <p:grpSpPr>
+        <a:xfrm>
+          <a:off x="0" y="0"/>
+          <a:ext cx="0" cy="0"/>
+          <a:chOff x="0" y="0"/>
+          <a:chExt cx="0" cy="0"/>
+        </a:xfrm>
+      </p:grpSpPr>
+      <p:pic>
+        <p:nvPicPr>
+          <p:cNvPr id="3" name="Рисунок 2">
+            <a:extLst>
+              <a:ext uri="{FF2B5EF4-FFF2-40B4-BE49-F238E27FC236}">
+                <a16:creationId xmlns:a16="http://schemas.microsoft.com/office/drawing/2014/main" id="{D44EDC70-0C18-2A41-8555-FF0350D3C9E4}"/>
+              </a:ext>
+            </a:extLst>
+          </p:cNvPr>
+          <p:cNvPicPr>
+            <a:picLocks noChangeAspect="1"/>
+          </p:cNvPicPr>
+          <p:nvPr/>
+        </p:nvPicPr>
+        <p:blipFill>
+          <a:blip r:embed="rId2"/>
+          <a:stretch>
+            <a:fillRect/>
+          </a:stretch>
+        </p:blipFill>
+        <p:spPr>
+          <a:xfrm>
+            <a:off x="4377511" y="708034"/>
+            <a:ext cx="6015323" cy="5570879"/>
+          </a:xfrm>
+          <a:prstGeom prst="rect">
+            <a:avLst/>
+          </a:prstGeom>
+        </p:spPr>
+      </p:pic>
+      <p:pic>
+        <p:nvPicPr>
+          <p:cNvPr id="4" name="Рисунок 3">
+            <a:extLst>
+              <a:ext uri="{FF2B5EF4-FFF2-40B4-BE49-F238E27FC236}">
+                <a16:creationId xmlns:a16="http://schemas.microsoft.com/office/drawing/2014/main" id="{7E5EF9ED-F12E-48D8-81CB-559044EFFC0F}"/>
+              </a:ext>
+            </a:extLst>
+          </p:cNvPr>
+          <p:cNvPicPr>
+            <a:picLocks noChangeAspect="1"/>
+          </p:cNvPicPr>
+          <p:nvPr/>
+        </p:nvPicPr>
+        <p:blipFill>
+          <a:blip r:embed="rId3"/>
+          <a:stretch>
+            <a:fillRect/>
+          </a:stretch>
+        </p:blipFill>
+        <p:spPr>
+          <a:xfrm>
+            <a:off x="869591" y="182880"/>
+            <a:ext cx="2442872" cy="6111240"/>
+          </a:xfrm>
+          <a:prstGeom prst="rect">
+            <a:avLst/>
+          </a:prstGeom>
+        </p:spPr>
+      </p:pic>
+    </p:spTree>
+    <p:extLst>
+      <p:ext uri="{BB962C8B-B14F-4D97-AF65-F5344CB8AC3E}">
+        <p14:creationId xmlns:p14="http://schemas.microsoft.com/office/powerpoint/2010/main" val="735660431"/>
+      </p:ext>
+    </p:extLst>
+  </p:cSld>
+  <p:clrMapOvr>
+    <a:masterClrMapping/>
+  </p:clrMapOvr>
+  <mc:AlternateContent xmlns:mc="http://schemas.openxmlformats.org/markup-compatibility/2006">
+    <mc:Choice xmlns:p14="http://schemas.microsoft.com/office/powerpoint/2010/main" Requires="p14">
+      <p:transition p14:dur="250">
+        <p:fade/>
+      </p:transition>
+    </mc:Choice>
+    <mc:Fallback>
+      <p:transition>
+        <p:fade/>
+      </p:transition>
+    </mc:Fallback>
+  </mc:AlternateContent>
+</p:sld>
+</file>
+
+<file path=ppt/slides/slide12.xml><?xml version="1.0" encoding="utf-8"?>
 <p:sld xmlns:a="http://schemas.openxmlformats.org/drawingml/2006/main" xmlns:r="http://schemas.openxmlformats.org/officeDocument/2006/relationships" xmlns:p="http://schemas.openxmlformats.org/presentationml/2006/main">
   <p:cSld>
     <p:bg>
@@ -5898,7 +6001,7 @@
 </p:sld>
 </file>
 
-<file path=ppt/slides/slide12.xml><?xml version="1.0" encoding="utf-8"?>
+<file path=ppt/slides/slide13.xml><?xml version="1.0" encoding="utf-8"?>
 <p:sld xmlns:a="http://schemas.openxmlformats.org/drawingml/2006/main" xmlns:r="http://schemas.openxmlformats.org/officeDocument/2006/relationships" xmlns:p="http://schemas.openxmlformats.org/presentationml/2006/main">
   <p:cSld>
     <p:spTree>
@@ -9194,10 +9297,1628 @@
       </p:grpSpPr>
       <p:sp>
         <p:nvSpPr>
-          <p:cNvPr id="2" name="TextBox 1">
+          <p:cNvPr id="3" name="Прямоугольник 2">
             <a:extLst>
               <a:ext uri="{FF2B5EF4-FFF2-40B4-BE49-F238E27FC236}">
-                <a16:creationId xmlns:a16="http://schemas.microsoft.com/office/drawing/2014/main" id="{53520630-9654-A354-A0DB-B2C201B66DCF}"/>
+                <a16:creationId xmlns:a16="http://schemas.microsoft.com/office/drawing/2014/main" id="{5563C1D4-2BCB-30AA-CC7F-F5654ECAE18A}"/>
+              </a:ext>
+            </a:extLst>
+          </p:cNvPr>
+          <p:cNvSpPr/>
+          <p:nvPr/>
+        </p:nvSpPr>
+        <p:spPr>
+          <a:xfrm>
+            <a:off x="0" y="3305"/>
+            <a:ext cx="12192000" cy="6337109"/>
+          </a:xfrm>
+          <a:prstGeom prst="rect">
+            <a:avLst/>
+          </a:prstGeom>
+          <a:solidFill>
+            <a:srgbClr val="F4F5F6"/>
+          </a:solidFill>
+          <a:ln>
+            <a:noFill/>
+          </a:ln>
+        </p:spPr>
+        <p:style>
+          <a:lnRef idx="2">
+            <a:schemeClr val="accent1">
+              <a:shade val="15000"/>
+            </a:schemeClr>
+          </a:lnRef>
+          <a:fillRef idx="1">
+            <a:schemeClr val="accent1"/>
+          </a:fillRef>
+          <a:effectRef idx="0">
+            <a:schemeClr val="accent1"/>
+          </a:effectRef>
+          <a:fontRef idx="minor">
+            <a:schemeClr val="lt1"/>
+          </a:fontRef>
+        </p:style>
+        <p:txBody>
+          <a:bodyPr rtlCol="0" anchor="ctr"/>
+          <a:lstStyle/>
+          <a:p>
+            <a:pPr algn="ctr"/>
+            <a:endParaRPr lang="ru-RU"/>
+          </a:p>
+        </p:txBody>
+      </p:sp>
+      <p:grpSp>
+        <p:nvGrpSpPr>
+          <p:cNvPr id="36" name="Группа 35">
+            <a:extLst>
+              <a:ext uri="{FF2B5EF4-FFF2-40B4-BE49-F238E27FC236}">
+                <a16:creationId xmlns:a16="http://schemas.microsoft.com/office/drawing/2014/main" id="{9BA6E6F3-93E5-1CE1-F6CA-D08E2B045A1A}"/>
+              </a:ext>
+            </a:extLst>
+          </p:cNvPr>
+          <p:cNvGrpSpPr/>
+          <p:nvPr/>
+        </p:nvGrpSpPr>
+        <p:grpSpPr>
+          <a:xfrm>
+            <a:off x="1613141" y="1196644"/>
+            <a:ext cx="7406904" cy="4662591"/>
+            <a:chOff x="707367" y="1455436"/>
+            <a:chExt cx="7406904" cy="4662591"/>
+          </a:xfrm>
+        </p:grpSpPr>
+        <p:pic>
+          <p:nvPicPr>
+            <p:cNvPr id="2" name="Рисунок 1">
+              <a:extLst>
+                <a:ext uri="{FF2B5EF4-FFF2-40B4-BE49-F238E27FC236}">
+                  <a16:creationId xmlns:a16="http://schemas.microsoft.com/office/drawing/2014/main" id="{317F1950-EA1A-C858-19D2-76D3F517D600}"/>
+                </a:ext>
+              </a:extLst>
+            </p:cNvPr>
+            <p:cNvPicPr>
+              <a:picLocks noChangeAspect="1"/>
+            </p:cNvPicPr>
+            <p:nvPr/>
+          </p:nvPicPr>
+          <p:blipFill>
+            <a:blip r:embed="rId2"/>
+            <a:stretch>
+              <a:fillRect/>
+            </a:stretch>
+          </p:blipFill>
+          <p:spPr>
+            <a:xfrm>
+              <a:off x="707367" y="3429000"/>
+              <a:ext cx="5604294" cy="2481563"/>
+            </a:xfrm>
+            <a:prstGeom prst="rect">
+              <a:avLst/>
+            </a:prstGeom>
+          </p:spPr>
+        </p:pic>
+        <p:sp>
+          <p:nvSpPr>
+            <p:cNvPr id="4" name="Трапеция 3">
+              <a:extLst>
+                <a:ext uri="{FF2B5EF4-FFF2-40B4-BE49-F238E27FC236}">
+                  <a16:creationId xmlns:a16="http://schemas.microsoft.com/office/drawing/2014/main" id="{E39B2C8E-A5B2-8535-77F8-FD190402AD5B}"/>
+                </a:ext>
+              </a:extLst>
+            </p:cNvPr>
+            <p:cNvSpPr/>
+            <p:nvPr/>
+          </p:nvSpPr>
+          <p:spPr>
+            <a:xfrm rot="10800000">
+              <a:off x="6402235" y="1888046"/>
+              <a:ext cx="1712036" cy="600672"/>
+            </a:xfrm>
+            <a:prstGeom prst="trapezoid">
+              <a:avLst>
+                <a:gd name="adj" fmla="val 43868"/>
+              </a:avLst>
+            </a:prstGeom>
+            <a:noFill/>
+            <a:ln w="38100">
+              <a:solidFill>
+                <a:schemeClr val="tx1"/>
+              </a:solidFill>
+            </a:ln>
+          </p:spPr>
+          <p:style>
+            <a:lnRef idx="2">
+              <a:schemeClr val="accent1">
+                <a:shade val="15000"/>
+              </a:schemeClr>
+            </a:lnRef>
+            <a:fillRef idx="1">
+              <a:schemeClr val="accent1"/>
+            </a:fillRef>
+            <a:effectRef idx="0">
+              <a:schemeClr val="accent1"/>
+            </a:effectRef>
+            <a:fontRef idx="minor">
+              <a:schemeClr val="lt1"/>
+            </a:fontRef>
+          </p:style>
+          <p:txBody>
+            <a:bodyPr rtlCol="0" anchor="ctr"/>
+            <a:lstStyle/>
+            <a:p>
+              <a:pPr algn="ctr"/>
+              <a:endParaRPr lang="ru-RU"/>
+            </a:p>
+          </p:txBody>
+        </p:sp>
+        <p:sp>
+          <p:nvSpPr>
+            <p:cNvPr id="5" name="Овал 4">
+              <a:extLst>
+                <a:ext uri="{FF2B5EF4-FFF2-40B4-BE49-F238E27FC236}">
+                  <a16:creationId xmlns:a16="http://schemas.microsoft.com/office/drawing/2014/main" id="{6B1F22A3-0E41-30E6-70F6-9927D151F034}"/>
+                </a:ext>
+              </a:extLst>
+            </p:cNvPr>
+            <p:cNvSpPr/>
+            <p:nvPr/>
+          </p:nvSpPr>
+          <p:spPr>
+            <a:xfrm>
+              <a:off x="6591988" y="1990686"/>
+              <a:ext cx="155708" cy="155708"/>
+            </a:xfrm>
+            <a:prstGeom prst="ellipse">
+              <a:avLst/>
+            </a:prstGeom>
+            <a:solidFill>
+              <a:srgbClr val="FF0000"/>
+            </a:solidFill>
+            <a:ln>
+              <a:solidFill>
+                <a:schemeClr val="tx1"/>
+              </a:solidFill>
+            </a:ln>
+          </p:spPr>
+          <p:style>
+            <a:lnRef idx="2">
+              <a:schemeClr val="accent1">
+                <a:shade val="15000"/>
+              </a:schemeClr>
+            </a:lnRef>
+            <a:fillRef idx="1">
+              <a:schemeClr val="accent1"/>
+            </a:fillRef>
+            <a:effectRef idx="0">
+              <a:schemeClr val="accent1"/>
+            </a:effectRef>
+            <a:fontRef idx="minor">
+              <a:schemeClr val="lt1"/>
+            </a:fontRef>
+          </p:style>
+          <p:txBody>
+            <a:bodyPr rtlCol="0" anchor="ctr"/>
+            <a:lstStyle/>
+            <a:p>
+              <a:pPr algn="ctr"/>
+              <a:endParaRPr lang="ru-RU"/>
+            </a:p>
+          </p:txBody>
+        </p:sp>
+        <p:sp>
+          <p:nvSpPr>
+            <p:cNvPr id="6" name="Овал 5">
+              <a:extLst>
+                <a:ext uri="{FF2B5EF4-FFF2-40B4-BE49-F238E27FC236}">
+                  <a16:creationId xmlns:a16="http://schemas.microsoft.com/office/drawing/2014/main" id="{DB353A57-DD3A-1096-982A-51BC59EAF235}"/>
+                </a:ext>
+              </a:extLst>
+            </p:cNvPr>
+            <p:cNvSpPr/>
+            <p:nvPr/>
+          </p:nvSpPr>
+          <p:spPr>
+            <a:xfrm>
+              <a:off x="6888502" y="1990686"/>
+              <a:ext cx="155708" cy="155708"/>
+            </a:xfrm>
+            <a:prstGeom prst="ellipse">
+              <a:avLst/>
+            </a:prstGeom>
+            <a:solidFill>
+              <a:schemeClr val="tx1"/>
+            </a:solidFill>
+            <a:ln>
+              <a:solidFill>
+                <a:schemeClr val="tx1"/>
+              </a:solidFill>
+            </a:ln>
+          </p:spPr>
+          <p:style>
+            <a:lnRef idx="2">
+              <a:schemeClr val="accent1">
+                <a:shade val="15000"/>
+              </a:schemeClr>
+            </a:lnRef>
+            <a:fillRef idx="1">
+              <a:schemeClr val="accent1"/>
+            </a:fillRef>
+            <a:effectRef idx="0">
+              <a:schemeClr val="accent1"/>
+            </a:effectRef>
+            <a:fontRef idx="minor">
+              <a:schemeClr val="lt1"/>
+            </a:fontRef>
+          </p:style>
+          <p:txBody>
+            <a:bodyPr rtlCol="0" anchor="ctr"/>
+            <a:lstStyle/>
+            <a:p>
+              <a:pPr algn="ctr"/>
+              <a:endParaRPr lang="ru-RU"/>
+            </a:p>
+          </p:txBody>
+        </p:sp>
+        <p:sp>
+          <p:nvSpPr>
+            <p:cNvPr id="7" name="Овал 6">
+              <a:extLst>
+                <a:ext uri="{FF2B5EF4-FFF2-40B4-BE49-F238E27FC236}">
+                  <a16:creationId xmlns:a16="http://schemas.microsoft.com/office/drawing/2014/main" id="{A8704AD1-27EC-C94C-2F22-DB14EF332DE0}"/>
+                </a:ext>
+              </a:extLst>
+            </p:cNvPr>
+            <p:cNvSpPr/>
+            <p:nvPr/>
+          </p:nvSpPr>
+          <p:spPr>
+            <a:xfrm>
+              <a:off x="7172316" y="1990686"/>
+              <a:ext cx="155708" cy="155708"/>
+            </a:xfrm>
+            <a:prstGeom prst="ellipse">
+              <a:avLst/>
+            </a:prstGeom>
+            <a:solidFill>
+              <a:schemeClr val="tx1">
+                <a:lumMod val="50000"/>
+                <a:lumOff val="50000"/>
+              </a:schemeClr>
+            </a:solidFill>
+            <a:ln>
+              <a:solidFill>
+                <a:schemeClr val="tx1"/>
+              </a:solidFill>
+            </a:ln>
+          </p:spPr>
+          <p:style>
+            <a:lnRef idx="2">
+              <a:schemeClr val="accent1">
+                <a:shade val="15000"/>
+              </a:schemeClr>
+            </a:lnRef>
+            <a:fillRef idx="1">
+              <a:schemeClr val="accent1"/>
+            </a:fillRef>
+            <a:effectRef idx="0">
+              <a:schemeClr val="accent1"/>
+            </a:effectRef>
+            <a:fontRef idx="minor">
+              <a:schemeClr val="lt1"/>
+            </a:fontRef>
+          </p:style>
+          <p:txBody>
+            <a:bodyPr rtlCol="0" anchor="ctr"/>
+            <a:lstStyle/>
+            <a:p>
+              <a:pPr algn="ctr"/>
+              <a:endParaRPr lang="ru-RU"/>
+            </a:p>
+          </p:txBody>
+        </p:sp>
+        <p:sp>
+          <p:nvSpPr>
+            <p:cNvPr id="8" name="Овал 7">
+              <a:extLst>
+                <a:ext uri="{FF2B5EF4-FFF2-40B4-BE49-F238E27FC236}">
+                  <a16:creationId xmlns:a16="http://schemas.microsoft.com/office/drawing/2014/main" id="{894CB81C-9DEE-0110-4BA6-6A9AD9768FB0}"/>
+                </a:ext>
+              </a:extLst>
+            </p:cNvPr>
+            <p:cNvSpPr/>
+            <p:nvPr/>
+          </p:nvSpPr>
+          <p:spPr>
+            <a:xfrm>
+              <a:off x="7475583" y="1982390"/>
+              <a:ext cx="155708" cy="155708"/>
+            </a:xfrm>
+            <a:prstGeom prst="ellipse">
+              <a:avLst/>
+            </a:prstGeom>
+            <a:solidFill>
+              <a:srgbClr val="FFC000"/>
+            </a:solidFill>
+            <a:ln>
+              <a:solidFill>
+                <a:schemeClr val="tx1"/>
+              </a:solidFill>
+            </a:ln>
+          </p:spPr>
+          <p:style>
+            <a:lnRef idx="2">
+              <a:schemeClr val="accent1">
+                <a:shade val="15000"/>
+              </a:schemeClr>
+            </a:lnRef>
+            <a:fillRef idx="1">
+              <a:schemeClr val="accent1"/>
+            </a:fillRef>
+            <a:effectRef idx="0">
+              <a:schemeClr val="accent1"/>
+            </a:effectRef>
+            <a:fontRef idx="minor">
+              <a:schemeClr val="lt1"/>
+            </a:fontRef>
+          </p:style>
+          <p:txBody>
+            <a:bodyPr rtlCol="0" anchor="ctr"/>
+            <a:lstStyle/>
+            <a:p>
+              <a:pPr algn="ctr"/>
+              <a:endParaRPr lang="ru-RU"/>
+            </a:p>
+          </p:txBody>
+        </p:sp>
+        <p:sp>
+          <p:nvSpPr>
+            <p:cNvPr id="9" name="Овал 8">
+              <a:extLst>
+                <a:ext uri="{FF2B5EF4-FFF2-40B4-BE49-F238E27FC236}">
+                  <a16:creationId xmlns:a16="http://schemas.microsoft.com/office/drawing/2014/main" id="{D38CD7FF-0DB6-FA9B-BE31-9B2D24D258AA}"/>
+                </a:ext>
+              </a:extLst>
+            </p:cNvPr>
+            <p:cNvSpPr/>
+            <p:nvPr/>
+          </p:nvSpPr>
+          <p:spPr>
+            <a:xfrm>
+              <a:off x="7778850" y="1982776"/>
+              <a:ext cx="155708" cy="155708"/>
+            </a:xfrm>
+            <a:prstGeom prst="ellipse">
+              <a:avLst/>
+            </a:prstGeom>
+            <a:solidFill>
+              <a:srgbClr val="964B00"/>
+            </a:solidFill>
+            <a:ln>
+              <a:solidFill>
+                <a:schemeClr val="tx1"/>
+              </a:solidFill>
+            </a:ln>
+          </p:spPr>
+          <p:style>
+            <a:lnRef idx="2">
+              <a:schemeClr val="accent1">
+                <a:shade val="15000"/>
+              </a:schemeClr>
+            </a:lnRef>
+            <a:fillRef idx="1">
+              <a:schemeClr val="accent1"/>
+            </a:fillRef>
+            <a:effectRef idx="0">
+              <a:schemeClr val="accent1"/>
+            </a:effectRef>
+            <a:fontRef idx="minor">
+              <a:schemeClr val="lt1"/>
+            </a:fontRef>
+          </p:style>
+          <p:txBody>
+            <a:bodyPr rtlCol="0" anchor="ctr"/>
+            <a:lstStyle/>
+            <a:p>
+              <a:pPr algn="ctr"/>
+              <a:endParaRPr lang="ru-RU"/>
+            </a:p>
+          </p:txBody>
+        </p:sp>
+        <p:sp>
+          <p:nvSpPr>
+            <p:cNvPr id="10" name="Овал 9">
+              <a:extLst>
+                <a:ext uri="{FF2B5EF4-FFF2-40B4-BE49-F238E27FC236}">
+                  <a16:creationId xmlns:a16="http://schemas.microsoft.com/office/drawing/2014/main" id="{BAA005FA-E1C9-33DE-F28B-014AAB0F577F}"/>
+                </a:ext>
+              </a:extLst>
+            </p:cNvPr>
+            <p:cNvSpPr/>
+            <p:nvPr/>
+          </p:nvSpPr>
+          <p:spPr>
+            <a:xfrm>
+              <a:off x="6720094" y="2249034"/>
+              <a:ext cx="155708" cy="155708"/>
+            </a:xfrm>
+            <a:prstGeom prst="ellipse">
+              <a:avLst/>
+            </a:prstGeom>
+            <a:solidFill>
+              <a:srgbClr val="339933"/>
+            </a:solidFill>
+            <a:ln>
+              <a:solidFill>
+                <a:schemeClr val="tx1"/>
+              </a:solidFill>
+            </a:ln>
+          </p:spPr>
+          <p:style>
+            <a:lnRef idx="2">
+              <a:schemeClr val="accent1">
+                <a:shade val="15000"/>
+              </a:schemeClr>
+            </a:lnRef>
+            <a:fillRef idx="1">
+              <a:schemeClr val="accent1"/>
+            </a:fillRef>
+            <a:effectRef idx="0">
+              <a:schemeClr val="accent1"/>
+            </a:effectRef>
+            <a:fontRef idx="minor">
+              <a:schemeClr val="lt1"/>
+            </a:fontRef>
+          </p:style>
+          <p:txBody>
+            <a:bodyPr rtlCol="0" anchor="ctr"/>
+            <a:lstStyle/>
+            <a:p>
+              <a:pPr algn="ctr"/>
+              <a:endParaRPr lang="ru-RU"/>
+            </a:p>
+          </p:txBody>
+        </p:sp>
+        <p:sp>
+          <p:nvSpPr>
+            <p:cNvPr id="11" name="Овал 10">
+              <a:extLst>
+                <a:ext uri="{FF2B5EF4-FFF2-40B4-BE49-F238E27FC236}">
+                  <a16:creationId xmlns:a16="http://schemas.microsoft.com/office/drawing/2014/main" id="{826699FB-5C1F-0D42-AEB4-C765AB50E26A}"/>
+                </a:ext>
+              </a:extLst>
+            </p:cNvPr>
+            <p:cNvSpPr/>
+            <p:nvPr/>
+          </p:nvSpPr>
+          <p:spPr>
+            <a:xfrm>
+              <a:off x="7031510" y="2249034"/>
+              <a:ext cx="155708" cy="155708"/>
+            </a:xfrm>
+            <a:prstGeom prst="ellipse">
+              <a:avLst/>
+            </a:prstGeom>
+            <a:solidFill>
+              <a:schemeClr val="bg1"/>
+            </a:solidFill>
+            <a:ln>
+              <a:solidFill>
+                <a:schemeClr val="tx1"/>
+              </a:solidFill>
+            </a:ln>
+          </p:spPr>
+          <p:style>
+            <a:lnRef idx="2">
+              <a:schemeClr val="accent1">
+                <a:shade val="15000"/>
+              </a:schemeClr>
+            </a:lnRef>
+            <a:fillRef idx="1">
+              <a:schemeClr val="accent1"/>
+            </a:fillRef>
+            <a:effectRef idx="0">
+              <a:schemeClr val="accent1"/>
+            </a:effectRef>
+            <a:fontRef idx="minor">
+              <a:schemeClr val="lt1"/>
+            </a:fontRef>
+          </p:style>
+          <p:txBody>
+            <a:bodyPr rtlCol="0" anchor="ctr"/>
+            <a:lstStyle/>
+            <a:p>
+              <a:pPr algn="ctr"/>
+              <a:endParaRPr lang="ru-RU"/>
+            </a:p>
+          </p:txBody>
+        </p:sp>
+        <p:sp>
+          <p:nvSpPr>
+            <p:cNvPr id="12" name="Овал 11">
+              <a:extLst>
+                <a:ext uri="{FF2B5EF4-FFF2-40B4-BE49-F238E27FC236}">
+                  <a16:creationId xmlns:a16="http://schemas.microsoft.com/office/drawing/2014/main" id="{A0DE7E42-C9D1-2556-AA07-EFF2D5507228}"/>
+                </a:ext>
+              </a:extLst>
+            </p:cNvPr>
+            <p:cNvSpPr/>
+            <p:nvPr/>
+          </p:nvSpPr>
+          <p:spPr>
+            <a:xfrm>
+              <a:off x="7339920" y="2249034"/>
+              <a:ext cx="155708" cy="155708"/>
+            </a:xfrm>
+            <a:prstGeom prst="ellipse">
+              <a:avLst/>
+            </a:prstGeom>
+            <a:solidFill>
+              <a:srgbClr val="0070C0"/>
+            </a:solidFill>
+            <a:ln>
+              <a:solidFill>
+                <a:schemeClr val="tx1"/>
+              </a:solidFill>
+            </a:ln>
+          </p:spPr>
+          <p:style>
+            <a:lnRef idx="2">
+              <a:schemeClr val="accent1">
+                <a:shade val="15000"/>
+              </a:schemeClr>
+            </a:lnRef>
+            <a:fillRef idx="1">
+              <a:schemeClr val="accent1"/>
+            </a:fillRef>
+            <a:effectRef idx="0">
+              <a:schemeClr val="accent1"/>
+            </a:effectRef>
+            <a:fontRef idx="minor">
+              <a:schemeClr val="lt1"/>
+            </a:fontRef>
+          </p:style>
+          <p:txBody>
+            <a:bodyPr rtlCol="0" anchor="ctr"/>
+            <a:lstStyle/>
+            <a:p>
+              <a:pPr algn="ctr"/>
+              <a:endParaRPr lang="ru-RU"/>
+            </a:p>
+          </p:txBody>
+        </p:sp>
+        <p:sp>
+          <p:nvSpPr>
+            <p:cNvPr id="13" name="Овал 12">
+              <a:extLst>
+                <a:ext uri="{FF2B5EF4-FFF2-40B4-BE49-F238E27FC236}">
+                  <a16:creationId xmlns:a16="http://schemas.microsoft.com/office/drawing/2014/main" id="{FC48496C-B9EC-16D5-969C-FADCB4AF7316}"/>
+                </a:ext>
+              </a:extLst>
+            </p:cNvPr>
+            <p:cNvSpPr/>
+            <p:nvPr/>
+          </p:nvSpPr>
+          <p:spPr>
+            <a:xfrm>
+              <a:off x="7631291" y="2249034"/>
+              <a:ext cx="155708" cy="155708"/>
+            </a:xfrm>
+            <a:prstGeom prst="ellipse">
+              <a:avLst/>
+            </a:prstGeom>
+            <a:solidFill>
+              <a:srgbClr val="FFFF00"/>
+            </a:solidFill>
+            <a:ln>
+              <a:solidFill>
+                <a:schemeClr val="tx1"/>
+              </a:solidFill>
+            </a:ln>
+          </p:spPr>
+          <p:style>
+            <a:lnRef idx="2">
+              <a:schemeClr val="accent1">
+                <a:shade val="15000"/>
+              </a:schemeClr>
+            </a:lnRef>
+            <a:fillRef idx="1">
+              <a:schemeClr val="accent1"/>
+            </a:fillRef>
+            <a:effectRef idx="0">
+              <a:schemeClr val="accent1"/>
+            </a:effectRef>
+            <a:fontRef idx="minor">
+              <a:schemeClr val="lt1"/>
+            </a:fontRef>
+          </p:style>
+          <p:txBody>
+            <a:bodyPr rtlCol="0" anchor="ctr"/>
+            <a:lstStyle/>
+            <a:p>
+              <a:pPr algn="ctr"/>
+              <a:endParaRPr lang="ru-RU"/>
+            </a:p>
+          </p:txBody>
+        </p:sp>
+        <p:sp>
+          <p:nvSpPr>
+            <p:cNvPr id="17" name="Прямоугольник 16">
+              <a:extLst>
+                <a:ext uri="{FF2B5EF4-FFF2-40B4-BE49-F238E27FC236}">
+                  <a16:creationId xmlns:a16="http://schemas.microsoft.com/office/drawing/2014/main" id="{8614A138-36FE-CC31-12AA-9835E81FCE0A}"/>
+                </a:ext>
+              </a:extLst>
+            </p:cNvPr>
+            <p:cNvSpPr/>
+            <p:nvPr/>
+          </p:nvSpPr>
+          <p:spPr>
+            <a:xfrm>
+              <a:off x="7686285" y="2326888"/>
+              <a:ext cx="45719" cy="3791139"/>
+            </a:xfrm>
+            <a:prstGeom prst="rect">
+              <a:avLst/>
+            </a:prstGeom>
+            <a:solidFill>
+              <a:srgbClr val="FFFF00"/>
+            </a:solidFill>
+            <a:ln w="3175">
+              <a:solidFill>
+                <a:schemeClr val="tx1"/>
+              </a:solidFill>
+            </a:ln>
+          </p:spPr>
+          <p:style>
+            <a:lnRef idx="2">
+              <a:schemeClr val="accent1">
+                <a:shade val="15000"/>
+              </a:schemeClr>
+            </a:lnRef>
+            <a:fillRef idx="1">
+              <a:schemeClr val="accent1"/>
+            </a:fillRef>
+            <a:effectRef idx="0">
+              <a:schemeClr val="accent1"/>
+            </a:effectRef>
+            <a:fontRef idx="minor">
+              <a:schemeClr val="lt1"/>
+            </a:fontRef>
+          </p:style>
+          <p:txBody>
+            <a:bodyPr rtlCol="0" anchor="ctr"/>
+            <a:lstStyle/>
+            <a:p>
+              <a:pPr algn="ctr"/>
+              <a:endParaRPr lang="ru-RU"/>
+            </a:p>
+          </p:txBody>
+        </p:sp>
+        <p:sp>
+          <p:nvSpPr>
+            <p:cNvPr id="18" name="Прямоугольник 17">
+              <a:extLst>
+                <a:ext uri="{FF2B5EF4-FFF2-40B4-BE49-F238E27FC236}">
+                  <a16:creationId xmlns:a16="http://schemas.microsoft.com/office/drawing/2014/main" id="{3B6EF8C7-5E47-D6B3-9BE5-3D641989E784}"/>
+                </a:ext>
+              </a:extLst>
+            </p:cNvPr>
+            <p:cNvSpPr/>
+            <p:nvPr/>
+          </p:nvSpPr>
+          <p:spPr>
+            <a:xfrm rot="5400000">
+              <a:off x="6409004" y="4795027"/>
+              <a:ext cx="46800" cy="2599200"/>
+            </a:xfrm>
+            <a:prstGeom prst="rect">
+              <a:avLst/>
+            </a:prstGeom>
+            <a:solidFill>
+              <a:srgbClr val="FFFF00"/>
+            </a:solidFill>
+            <a:ln w="3175">
+              <a:solidFill>
+                <a:schemeClr val="tx1"/>
+              </a:solidFill>
+            </a:ln>
+          </p:spPr>
+          <p:style>
+            <a:lnRef idx="2">
+              <a:schemeClr val="accent1">
+                <a:shade val="15000"/>
+              </a:schemeClr>
+            </a:lnRef>
+            <a:fillRef idx="1">
+              <a:schemeClr val="accent1"/>
+            </a:fillRef>
+            <a:effectRef idx="0">
+              <a:schemeClr val="accent1"/>
+            </a:effectRef>
+            <a:fontRef idx="minor">
+              <a:schemeClr val="lt1"/>
+            </a:fontRef>
+          </p:style>
+          <p:txBody>
+            <a:bodyPr rtlCol="0" anchor="ctr"/>
+            <a:lstStyle/>
+            <a:p>
+              <a:pPr algn="ctr"/>
+              <a:endParaRPr lang="ru-RU"/>
+            </a:p>
+          </p:txBody>
+        </p:sp>
+        <p:sp>
+          <p:nvSpPr>
+            <p:cNvPr id="19" name="Прямоугольник 18">
+              <a:extLst>
+                <a:ext uri="{FF2B5EF4-FFF2-40B4-BE49-F238E27FC236}">
+                  <a16:creationId xmlns:a16="http://schemas.microsoft.com/office/drawing/2014/main" id="{111A4DF0-28BC-F7A5-8B07-EE9BAA6C6A1E}"/>
+                </a:ext>
+              </a:extLst>
+            </p:cNvPr>
+            <p:cNvSpPr/>
+            <p:nvPr/>
+          </p:nvSpPr>
+          <p:spPr>
+            <a:xfrm>
+              <a:off x="5117144" y="5736281"/>
+              <a:ext cx="45719" cy="378000"/>
+            </a:xfrm>
+            <a:prstGeom prst="rect">
+              <a:avLst/>
+            </a:prstGeom>
+            <a:solidFill>
+              <a:srgbClr val="FFFF00"/>
+            </a:solidFill>
+            <a:ln w="3175">
+              <a:solidFill>
+                <a:schemeClr val="tx1"/>
+              </a:solidFill>
+            </a:ln>
+          </p:spPr>
+          <p:style>
+            <a:lnRef idx="2">
+              <a:schemeClr val="accent1">
+                <a:shade val="15000"/>
+              </a:schemeClr>
+            </a:lnRef>
+            <a:fillRef idx="1">
+              <a:schemeClr val="accent1"/>
+            </a:fillRef>
+            <a:effectRef idx="0">
+              <a:schemeClr val="accent1"/>
+            </a:effectRef>
+            <a:fontRef idx="minor">
+              <a:schemeClr val="lt1"/>
+            </a:fontRef>
+          </p:style>
+          <p:txBody>
+            <a:bodyPr rtlCol="0" anchor="ctr"/>
+            <a:lstStyle/>
+            <a:p>
+              <a:pPr algn="ctr"/>
+              <a:endParaRPr lang="ru-RU"/>
+            </a:p>
+          </p:txBody>
+        </p:sp>
+        <p:sp>
+          <p:nvSpPr>
+            <p:cNvPr id="20" name="Прямоугольник 19">
+              <a:extLst>
+                <a:ext uri="{FF2B5EF4-FFF2-40B4-BE49-F238E27FC236}">
+                  <a16:creationId xmlns:a16="http://schemas.microsoft.com/office/drawing/2014/main" id="{F1102401-76F6-5479-847C-F3FCF0CEF36E}"/>
+                </a:ext>
+              </a:extLst>
+            </p:cNvPr>
+            <p:cNvSpPr/>
+            <p:nvPr/>
+          </p:nvSpPr>
+          <p:spPr>
+            <a:xfrm>
+              <a:off x="6775088" y="2326888"/>
+              <a:ext cx="45719" cy="1512000"/>
+            </a:xfrm>
+            <a:prstGeom prst="rect">
+              <a:avLst/>
+            </a:prstGeom>
+            <a:solidFill>
+              <a:srgbClr val="339933"/>
+            </a:solidFill>
+            <a:ln w="3175">
+              <a:solidFill>
+                <a:schemeClr val="tx1"/>
+              </a:solidFill>
+            </a:ln>
+          </p:spPr>
+          <p:style>
+            <a:lnRef idx="2">
+              <a:schemeClr val="accent1">
+                <a:shade val="15000"/>
+              </a:schemeClr>
+            </a:lnRef>
+            <a:fillRef idx="1">
+              <a:schemeClr val="accent1"/>
+            </a:fillRef>
+            <a:effectRef idx="0">
+              <a:schemeClr val="accent1"/>
+            </a:effectRef>
+            <a:fontRef idx="minor">
+              <a:schemeClr val="lt1"/>
+            </a:fontRef>
+          </p:style>
+          <p:txBody>
+            <a:bodyPr rtlCol="0" anchor="ctr"/>
+            <a:lstStyle/>
+            <a:p>
+              <a:pPr algn="ctr"/>
+              <a:endParaRPr lang="ru-RU"/>
+            </a:p>
+          </p:txBody>
+        </p:sp>
+        <p:sp>
+          <p:nvSpPr>
+            <p:cNvPr id="21" name="Прямоугольник 20">
+              <a:extLst>
+                <a:ext uri="{FF2B5EF4-FFF2-40B4-BE49-F238E27FC236}">
+                  <a16:creationId xmlns:a16="http://schemas.microsoft.com/office/drawing/2014/main" id="{9A3C904D-00C2-BC94-AE38-4C1705ACFE8E}"/>
+                </a:ext>
+              </a:extLst>
+            </p:cNvPr>
+            <p:cNvSpPr/>
+            <p:nvPr/>
+          </p:nvSpPr>
+          <p:spPr>
+            <a:xfrm rot="16200000">
+              <a:off x="6013862" y="3067708"/>
+              <a:ext cx="45719" cy="1566000"/>
+            </a:xfrm>
+            <a:prstGeom prst="rect">
+              <a:avLst/>
+            </a:prstGeom>
+            <a:solidFill>
+              <a:srgbClr val="339933"/>
+            </a:solidFill>
+            <a:ln w="3175">
+              <a:solidFill>
+                <a:schemeClr val="tx1"/>
+              </a:solidFill>
+            </a:ln>
+          </p:spPr>
+          <p:style>
+            <a:lnRef idx="2">
+              <a:schemeClr val="accent1">
+                <a:shade val="15000"/>
+              </a:schemeClr>
+            </a:lnRef>
+            <a:fillRef idx="1">
+              <a:schemeClr val="accent1"/>
+            </a:fillRef>
+            <a:effectRef idx="0">
+              <a:schemeClr val="accent1"/>
+            </a:effectRef>
+            <a:fontRef idx="minor">
+              <a:schemeClr val="lt1"/>
+            </a:fontRef>
+          </p:style>
+          <p:txBody>
+            <a:bodyPr rtlCol="0" anchor="ctr"/>
+            <a:lstStyle/>
+            <a:p>
+              <a:pPr algn="ctr"/>
+              <a:endParaRPr lang="ru-RU"/>
+            </a:p>
+          </p:txBody>
+        </p:sp>
+        <p:sp>
+          <p:nvSpPr>
+            <p:cNvPr id="22" name="Прямоугольник 21">
+              <a:extLst>
+                <a:ext uri="{FF2B5EF4-FFF2-40B4-BE49-F238E27FC236}">
+                  <a16:creationId xmlns:a16="http://schemas.microsoft.com/office/drawing/2014/main" id="{83C402C9-C1A4-38CA-BE4D-15BA77971A95}"/>
+                </a:ext>
+              </a:extLst>
+            </p:cNvPr>
+            <p:cNvSpPr/>
+            <p:nvPr/>
+          </p:nvSpPr>
+          <p:spPr>
+            <a:xfrm>
+              <a:off x="5230861" y="3586888"/>
+              <a:ext cx="45719" cy="288000"/>
+            </a:xfrm>
+            <a:prstGeom prst="rect">
+              <a:avLst/>
+            </a:prstGeom>
+            <a:solidFill>
+              <a:srgbClr val="339933"/>
+            </a:solidFill>
+            <a:ln w="3175">
+              <a:solidFill>
+                <a:schemeClr val="tx1"/>
+              </a:solidFill>
+            </a:ln>
+          </p:spPr>
+          <p:style>
+            <a:lnRef idx="2">
+              <a:schemeClr val="accent1">
+                <a:shade val="15000"/>
+              </a:schemeClr>
+            </a:lnRef>
+            <a:fillRef idx="1">
+              <a:schemeClr val="accent1"/>
+            </a:fillRef>
+            <a:effectRef idx="0">
+              <a:schemeClr val="accent1"/>
+            </a:effectRef>
+            <a:fontRef idx="minor">
+              <a:schemeClr val="lt1"/>
+            </a:fontRef>
+          </p:style>
+          <p:txBody>
+            <a:bodyPr rtlCol="0" anchor="ctr"/>
+            <a:lstStyle/>
+            <a:p>
+              <a:pPr algn="ctr"/>
+              <a:endParaRPr lang="ru-RU"/>
+            </a:p>
+          </p:txBody>
+        </p:sp>
+        <p:sp>
+          <p:nvSpPr>
+            <p:cNvPr id="23" name="Прямоугольник 22">
+              <a:extLst>
+                <a:ext uri="{FF2B5EF4-FFF2-40B4-BE49-F238E27FC236}">
+                  <a16:creationId xmlns:a16="http://schemas.microsoft.com/office/drawing/2014/main" id="{2C3BDC26-6585-03F7-DBA1-B019E819B943}"/>
+                </a:ext>
+              </a:extLst>
+            </p:cNvPr>
+            <p:cNvSpPr/>
+            <p:nvPr/>
+          </p:nvSpPr>
+          <p:spPr>
+            <a:xfrm>
+              <a:off x="7532595" y="1456540"/>
+              <a:ext cx="45719" cy="612000"/>
+            </a:xfrm>
+            <a:prstGeom prst="rect">
+              <a:avLst/>
+            </a:prstGeom>
+            <a:solidFill>
+              <a:srgbClr val="FFC000"/>
+            </a:solidFill>
+            <a:ln w="3175">
+              <a:solidFill>
+                <a:schemeClr val="tx1"/>
+              </a:solidFill>
+            </a:ln>
+          </p:spPr>
+          <p:style>
+            <a:lnRef idx="2">
+              <a:schemeClr val="accent1">
+                <a:shade val="15000"/>
+              </a:schemeClr>
+            </a:lnRef>
+            <a:fillRef idx="1">
+              <a:schemeClr val="accent1"/>
+            </a:fillRef>
+            <a:effectRef idx="0">
+              <a:schemeClr val="accent1"/>
+            </a:effectRef>
+            <a:fontRef idx="minor">
+              <a:schemeClr val="lt1"/>
+            </a:fontRef>
+          </p:style>
+          <p:txBody>
+            <a:bodyPr rtlCol="0" anchor="ctr"/>
+            <a:lstStyle/>
+            <a:p>
+              <a:pPr algn="ctr"/>
+              <a:endParaRPr lang="ru-RU"/>
+            </a:p>
+          </p:txBody>
+        </p:sp>
+        <p:sp>
+          <p:nvSpPr>
+            <p:cNvPr id="24" name="Прямоугольник 23">
+              <a:extLst>
+                <a:ext uri="{FF2B5EF4-FFF2-40B4-BE49-F238E27FC236}">
+                  <a16:creationId xmlns:a16="http://schemas.microsoft.com/office/drawing/2014/main" id="{5CA99FEE-9D00-916A-E6B6-1720921A0ED0}"/>
+                </a:ext>
+              </a:extLst>
+            </p:cNvPr>
+            <p:cNvSpPr/>
+            <p:nvPr/>
+          </p:nvSpPr>
+          <p:spPr>
+            <a:xfrm rot="5400000">
+              <a:off x="6457496" y="381616"/>
+              <a:ext cx="45719" cy="2196000"/>
+            </a:xfrm>
+            <a:prstGeom prst="rect">
+              <a:avLst/>
+            </a:prstGeom>
+            <a:solidFill>
+              <a:srgbClr val="FFC000"/>
+            </a:solidFill>
+            <a:ln w="3175">
+              <a:solidFill>
+                <a:schemeClr val="tx1"/>
+              </a:solidFill>
+            </a:ln>
+          </p:spPr>
+          <p:style>
+            <a:lnRef idx="2">
+              <a:schemeClr val="accent1">
+                <a:shade val="15000"/>
+              </a:schemeClr>
+            </a:lnRef>
+            <a:fillRef idx="1">
+              <a:schemeClr val="accent1"/>
+            </a:fillRef>
+            <a:effectRef idx="0">
+              <a:schemeClr val="accent1"/>
+            </a:effectRef>
+            <a:fontRef idx="minor">
+              <a:schemeClr val="lt1"/>
+            </a:fontRef>
+          </p:style>
+          <p:txBody>
+            <a:bodyPr rtlCol="0" anchor="ctr"/>
+            <a:lstStyle/>
+            <a:p>
+              <a:pPr algn="ctr"/>
+              <a:endParaRPr lang="ru-RU"/>
+            </a:p>
+          </p:txBody>
+        </p:sp>
+        <p:sp>
+          <p:nvSpPr>
+            <p:cNvPr id="25" name="Прямоугольник 24">
+              <a:extLst>
+                <a:ext uri="{FF2B5EF4-FFF2-40B4-BE49-F238E27FC236}">
+                  <a16:creationId xmlns:a16="http://schemas.microsoft.com/office/drawing/2014/main" id="{1AC55631-8811-FE9D-0156-05A2146BE0C4}"/>
+                </a:ext>
+              </a:extLst>
+            </p:cNvPr>
+            <p:cNvSpPr/>
+            <p:nvPr/>
+          </p:nvSpPr>
+          <p:spPr>
+            <a:xfrm rot="10800000">
+              <a:off x="5333472" y="1455436"/>
+              <a:ext cx="45719" cy="2160000"/>
+            </a:xfrm>
+            <a:prstGeom prst="rect">
+              <a:avLst/>
+            </a:prstGeom>
+            <a:solidFill>
+              <a:srgbClr val="FFC000"/>
+            </a:solidFill>
+            <a:ln w="3175">
+              <a:solidFill>
+                <a:schemeClr val="tx1"/>
+              </a:solidFill>
+            </a:ln>
+          </p:spPr>
+          <p:style>
+            <a:lnRef idx="2">
+              <a:schemeClr val="accent1">
+                <a:shade val="15000"/>
+              </a:schemeClr>
+            </a:lnRef>
+            <a:fillRef idx="1">
+              <a:schemeClr val="accent1"/>
+            </a:fillRef>
+            <a:effectRef idx="0">
+              <a:schemeClr val="accent1"/>
+            </a:effectRef>
+            <a:fontRef idx="minor">
+              <a:schemeClr val="lt1"/>
+            </a:fontRef>
+          </p:style>
+          <p:txBody>
+            <a:bodyPr rtlCol="0" anchor="ctr"/>
+            <a:lstStyle/>
+            <a:p>
+              <a:pPr algn="ctr"/>
+              <a:endParaRPr lang="ru-RU"/>
+            </a:p>
+          </p:txBody>
+        </p:sp>
+        <p:sp>
+          <p:nvSpPr>
+            <p:cNvPr id="26" name="Прямоугольник 25">
+              <a:extLst>
+                <a:ext uri="{FF2B5EF4-FFF2-40B4-BE49-F238E27FC236}">
+                  <a16:creationId xmlns:a16="http://schemas.microsoft.com/office/drawing/2014/main" id="{E0AA1673-4D99-4E97-919B-A37DBC969F03}"/>
+                </a:ext>
+              </a:extLst>
+            </p:cNvPr>
+            <p:cNvSpPr/>
+            <p:nvPr/>
+          </p:nvSpPr>
+          <p:spPr>
+            <a:xfrm rot="10800000">
+              <a:off x="7229417" y="1546046"/>
+              <a:ext cx="45719" cy="540000"/>
+            </a:xfrm>
+            <a:prstGeom prst="rect">
+              <a:avLst/>
+            </a:prstGeom>
+            <a:solidFill>
+              <a:srgbClr val="7F7F7F"/>
+            </a:solidFill>
+            <a:ln w="3175">
+              <a:solidFill>
+                <a:schemeClr val="tx1"/>
+              </a:solidFill>
+            </a:ln>
+          </p:spPr>
+          <p:style>
+            <a:lnRef idx="2">
+              <a:schemeClr val="accent1">
+                <a:shade val="15000"/>
+              </a:schemeClr>
+            </a:lnRef>
+            <a:fillRef idx="1">
+              <a:schemeClr val="accent1"/>
+            </a:fillRef>
+            <a:effectRef idx="0">
+              <a:schemeClr val="accent1"/>
+            </a:effectRef>
+            <a:fontRef idx="minor">
+              <a:schemeClr val="lt1"/>
+            </a:fontRef>
+          </p:style>
+          <p:txBody>
+            <a:bodyPr rtlCol="0" anchor="ctr"/>
+            <a:lstStyle/>
+            <a:p>
+              <a:pPr algn="ctr"/>
+              <a:endParaRPr lang="ru-RU"/>
+            </a:p>
+          </p:txBody>
+        </p:sp>
+        <p:sp>
+          <p:nvSpPr>
+            <p:cNvPr id="27" name="Прямоугольник 26">
+              <a:extLst>
+                <a:ext uri="{FF2B5EF4-FFF2-40B4-BE49-F238E27FC236}">
+                  <a16:creationId xmlns:a16="http://schemas.microsoft.com/office/drawing/2014/main" id="{398197B4-BD08-1920-D409-9A59A31E2B1D}"/>
+                </a:ext>
+              </a:extLst>
+            </p:cNvPr>
+            <p:cNvSpPr/>
+            <p:nvPr/>
+          </p:nvSpPr>
+          <p:spPr>
+            <a:xfrm rot="5400000">
+              <a:off x="6352276" y="673059"/>
+              <a:ext cx="45719" cy="1800000"/>
+            </a:xfrm>
+            <a:prstGeom prst="rect">
+              <a:avLst/>
+            </a:prstGeom>
+            <a:solidFill>
+              <a:srgbClr val="7F7F7F"/>
+            </a:solidFill>
+            <a:ln w="3175">
+              <a:solidFill>
+                <a:schemeClr val="tx1"/>
+              </a:solidFill>
+            </a:ln>
+          </p:spPr>
+          <p:style>
+            <a:lnRef idx="2">
+              <a:schemeClr val="accent1">
+                <a:shade val="15000"/>
+              </a:schemeClr>
+            </a:lnRef>
+            <a:fillRef idx="1">
+              <a:schemeClr val="accent1"/>
+            </a:fillRef>
+            <a:effectRef idx="0">
+              <a:schemeClr val="accent1"/>
+            </a:effectRef>
+            <a:fontRef idx="minor">
+              <a:schemeClr val="lt1"/>
+            </a:fontRef>
+          </p:style>
+          <p:txBody>
+            <a:bodyPr rtlCol="0" anchor="ctr"/>
+            <a:lstStyle/>
+            <a:p>
+              <a:pPr algn="ctr"/>
+              <a:endParaRPr lang="ru-RU"/>
+            </a:p>
+          </p:txBody>
+        </p:sp>
+        <p:sp>
+          <p:nvSpPr>
+            <p:cNvPr id="28" name="Прямоугольник 27">
+              <a:extLst>
+                <a:ext uri="{FF2B5EF4-FFF2-40B4-BE49-F238E27FC236}">
+                  <a16:creationId xmlns:a16="http://schemas.microsoft.com/office/drawing/2014/main" id="{91EFC154-59B2-B3AC-AFCA-A908EB382767}"/>
+                </a:ext>
+              </a:extLst>
+            </p:cNvPr>
+            <p:cNvSpPr/>
+            <p:nvPr/>
+          </p:nvSpPr>
+          <p:spPr>
+            <a:xfrm rot="10800000">
+              <a:off x="5444854" y="1549682"/>
+              <a:ext cx="45719" cy="2073600"/>
+            </a:xfrm>
+            <a:prstGeom prst="rect">
+              <a:avLst/>
+            </a:prstGeom>
+            <a:solidFill>
+              <a:srgbClr val="7F7F7F"/>
+            </a:solidFill>
+            <a:ln w="3175">
+              <a:solidFill>
+                <a:schemeClr val="tx1"/>
+              </a:solidFill>
+            </a:ln>
+          </p:spPr>
+          <p:style>
+            <a:lnRef idx="2">
+              <a:schemeClr val="accent1">
+                <a:shade val="15000"/>
+              </a:schemeClr>
+            </a:lnRef>
+            <a:fillRef idx="1">
+              <a:schemeClr val="accent1"/>
+            </a:fillRef>
+            <a:effectRef idx="0">
+              <a:schemeClr val="accent1"/>
+            </a:effectRef>
+            <a:fontRef idx="minor">
+              <a:schemeClr val="lt1"/>
+            </a:fontRef>
+          </p:style>
+          <p:txBody>
+            <a:bodyPr rtlCol="0" anchor="ctr"/>
+            <a:lstStyle/>
+            <a:p>
+              <a:pPr algn="ctr"/>
+              <a:endParaRPr lang="ru-RU"/>
+            </a:p>
+          </p:txBody>
+        </p:sp>
+        <p:sp>
+          <p:nvSpPr>
+            <p:cNvPr id="29" name="Прямоугольник 28">
+              <a:extLst>
+                <a:ext uri="{FF2B5EF4-FFF2-40B4-BE49-F238E27FC236}">
+                  <a16:creationId xmlns:a16="http://schemas.microsoft.com/office/drawing/2014/main" id="{B761F604-F850-4AA0-330C-B21928CE2E8E}"/>
+                </a:ext>
+              </a:extLst>
+            </p:cNvPr>
+            <p:cNvSpPr/>
+            <p:nvPr/>
+          </p:nvSpPr>
+          <p:spPr>
+            <a:xfrm rot="10800000">
+              <a:off x="6939626" y="1645059"/>
+              <a:ext cx="45719" cy="396000"/>
+            </a:xfrm>
+            <a:prstGeom prst="rect">
+              <a:avLst/>
+            </a:prstGeom>
+            <a:solidFill>
+              <a:schemeClr val="tx1"/>
+            </a:solidFill>
+            <a:ln w="3175">
+              <a:solidFill>
+                <a:schemeClr val="tx1"/>
+              </a:solidFill>
+            </a:ln>
+          </p:spPr>
+          <p:style>
+            <a:lnRef idx="2">
+              <a:schemeClr val="accent1">
+                <a:shade val="15000"/>
+              </a:schemeClr>
+            </a:lnRef>
+            <a:fillRef idx="1">
+              <a:schemeClr val="accent1"/>
+            </a:fillRef>
+            <a:effectRef idx="0">
+              <a:schemeClr val="accent1"/>
+            </a:effectRef>
+            <a:fontRef idx="minor">
+              <a:schemeClr val="lt1"/>
+            </a:fontRef>
+          </p:style>
+          <p:txBody>
+            <a:bodyPr rtlCol="0" anchor="ctr"/>
+            <a:lstStyle/>
+            <a:p>
+              <a:pPr algn="ctr"/>
+              <a:endParaRPr lang="ru-RU"/>
+            </a:p>
+          </p:txBody>
+        </p:sp>
+        <p:sp>
+          <p:nvSpPr>
+            <p:cNvPr id="30" name="Прямоугольник 29">
+              <a:extLst>
+                <a:ext uri="{FF2B5EF4-FFF2-40B4-BE49-F238E27FC236}">
+                  <a16:creationId xmlns:a16="http://schemas.microsoft.com/office/drawing/2014/main" id="{15DBDDF3-A8C7-9050-4D83-CA995F91762B}"/>
+                </a:ext>
+              </a:extLst>
+            </p:cNvPr>
+            <p:cNvSpPr/>
+            <p:nvPr/>
+          </p:nvSpPr>
+          <p:spPr>
+            <a:xfrm rot="10800000">
+              <a:off x="5561638" y="1639568"/>
+              <a:ext cx="45719" cy="1980000"/>
+            </a:xfrm>
+            <a:prstGeom prst="rect">
+              <a:avLst/>
+            </a:prstGeom>
+            <a:solidFill>
+              <a:schemeClr val="tx1"/>
+            </a:solidFill>
+            <a:ln w="3175">
+              <a:solidFill>
+                <a:schemeClr val="tx1"/>
+              </a:solidFill>
+            </a:ln>
+          </p:spPr>
+          <p:style>
+            <a:lnRef idx="2">
+              <a:schemeClr val="accent1">
+                <a:shade val="15000"/>
+              </a:schemeClr>
+            </a:lnRef>
+            <a:fillRef idx="1">
+              <a:schemeClr val="accent1"/>
+            </a:fillRef>
+            <a:effectRef idx="0">
+              <a:schemeClr val="accent1"/>
+            </a:effectRef>
+            <a:fontRef idx="minor">
+              <a:schemeClr val="lt1"/>
+            </a:fontRef>
+          </p:style>
+          <p:txBody>
+            <a:bodyPr rtlCol="0" anchor="ctr"/>
+            <a:lstStyle/>
+            <a:p>
+              <a:pPr algn="ctr"/>
+              <a:endParaRPr lang="ru-RU"/>
+            </a:p>
+          </p:txBody>
+        </p:sp>
+        <p:sp>
+          <p:nvSpPr>
+            <p:cNvPr id="31" name="Прямоугольник 30">
+              <a:extLst>
+                <a:ext uri="{FF2B5EF4-FFF2-40B4-BE49-F238E27FC236}">
+                  <a16:creationId xmlns:a16="http://schemas.microsoft.com/office/drawing/2014/main" id="{4DD7D393-F1B2-D531-DA12-0D0E1B5EAED6}"/>
+                </a:ext>
+              </a:extLst>
+            </p:cNvPr>
+            <p:cNvSpPr/>
+            <p:nvPr/>
+          </p:nvSpPr>
+          <p:spPr>
+            <a:xfrm rot="16200000">
+              <a:off x="6250496" y="943145"/>
+              <a:ext cx="45719" cy="1422000"/>
+            </a:xfrm>
+            <a:prstGeom prst="rect">
+              <a:avLst/>
+            </a:prstGeom>
+            <a:solidFill>
+              <a:schemeClr val="tx1"/>
+            </a:solidFill>
+            <a:ln w="3175">
+              <a:solidFill>
+                <a:schemeClr val="tx1"/>
+              </a:solidFill>
+            </a:ln>
+          </p:spPr>
+          <p:style>
+            <a:lnRef idx="2">
+              <a:schemeClr val="accent1">
+                <a:shade val="15000"/>
+              </a:schemeClr>
+            </a:lnRef>
+            <a:fillRef idx="1">
+              <a:schemeClr val="accent1"/>
+            </a:fillRef>
+            <a:effectRef idx="0">
+              <a:schemeClr val="accent1"/>
+            </a:effectRef>
+            <a:fontRef idx="minor">
+              <a:schemeClr val="lt1"/>
+            </a:fontRef>
+          </p:style>
+          <p:txBody>
+            <a:bodyPr rtlCol="0" anchor="ctr"/>
+            <a:lstStyle/>
+            <a:p>
+              <a:pPr algn="ctr"/>
+              <a:endParaRPr lang="ru-RU"/>
+            </a:p>
+          </p:txBody>
+        </p:sp>
+        <p:sp>
+          <p:nvSpPr>
+            <p:cNvPr id="32" name="Прямоугольник 31">
+              <a:extLst>
+                <a:ext uri="{FF2B5EF4-FFF2-40B4-BE49-F238E27FC236}">
+                  <a16:creationId xmlns:a16="http://schemas.microsoft.com/office/drawing/2014/main" id="{3DBE3B21-8DC0-30D9-0372-99A284F0B1CF}"/>
+                </a:ext>
+              </a:extLst>
+            </p:cNvPr>
+            <p:cNvSpPr/>
+            <p:nvPr/>
+          </p:nvSpPr>
+          <p:spPr>
+            <a:xfrm rot="10800000">
+              <a:off x="5667858" y="1751283"/>
+              <a:ext cx="45719" cy="1872000"/>
+            </a:xfrm>
+            <a:prstGeom prst="rect">
+              <a:avLst/>
+            </a:prstGeom>
+            <a:solidFill>
+              <a:srgbClr val="FF0000"/>
+            </a:solidFill>
+            <a:ln w="3175">
+              <a:solidFill>
+                <a:schemeClr val="tx1"/>
+              </a:solidFill>
+            </a:ln>
+          </p:spPr>
+          <p:style>
+            <a:lnRef idx="2">
+              <a:schemeClr val="accent1">
+                <a:shade val="15000"/>
+              </a:schemeClr>
+            </a:lnRef>
+            <a:fillRef idx="1">
+              <a:schemeClr val="accent1"/>
+            </a:fillRef>
+            <a:effectRef idx="0">
+              <a:schemeClr val="accent1"/>
+            </a:effectRef>
+            <a:fontRef idx="minor">
+              <a:schemeClr val="lt1"/>
+            </a:fontRef>
+          </p:style>
+          <p:txBody>
+            <a:bodyPr rtlCol="0" anchor="ctr"/>
+            <a:lstStyle/>
+            <a:p>
+              <a:pPr algn="ctr"/>
+              <a:endParaRPr lang="ru-RU"/>
+            </a:p>
+          </p:txBody>
+        </p:sp>
+        <p:sp>
+          <p:nvSpPr>
+            <p:cNvPr id="34" name="Прямоугольник 33">
+              <a:extLst>
+                <a:ext uri="{FF2B5EF4-FFF2-40B4-BE49-F238E27FC236}">
+                  <a16:creationId xmlns:a16="http://schemas.microsoft.com/office/drawing/2014/main" id="{C379C886-6102-A13E-300F-F6EDBB8846A3}"/>
+                </a:ext>
+              </a:extLst>
+            </p:cNvPr>
+            <p:cNvSpPr/>
+            <p:nvPr/>
+          </p:nvSpPr>
+          <p:spPr>
+            <a:xfrm rot="16200000">
+              <a:off x="6148334" y="1247993"/>
+              <a:ext cx="45719" cy="1008000"/>
+            </a:xfrm>
+            <a:prstGeom prst="rect">
+              <a:avLst/>
+            </a:prstGeom>
+            <a:solidFill>
+              <a:srgbClr val="FF0000"/>
+            </a:solidFill>
+            <a:ln w="3175">
+              <a:solidFill>
+                <a:schemeClr val="tx1"/>
+              </a:solidFill>
+            </a:ln>
+          </p:spPr>
+          <p:style>
+            <a:lnRef idx="2">
+              <a:schemeClr val="accent1">
+                <a:shade val="15000"/>
+              </a:schemeClr>
+            </a:lnRef>
+            <a:fillRef idx="1">
+              <a:schemeClr val="accent1"/>
+            </a:fillRef>
+            <a:effectRef idx="0">
+              <a:schemeClr val="accent1"/>
+            </a:effectRef>
+            <a:fontRef idx="minor">
+              <a:schemeClr val="lt1"/>
+            </a:fontRef>
+          </p:style>
+          <p:txBody>
+            <a:bodyPr rtlCol="0" anchor="ctr"/>
+            <a:lstStyle/>
+            <a:p>
+              <a:pPr algn="ctr"/>
+              <a:endParaRPr lang="ru-RU"/>
+            </a:p>
+          </p:txBody>
+        </p:sp>
+        <p:sp>
+          <p:nvSpPr>
+            <p:cNvPr id="33" name="Прямоугольник 32">
+              <a:extLst>
+                <a:ext uri="{FF2B5EF4-FFF2-40B4-BE49-F238E27FC236}">
+                  <a16:creationId xmlns:a16="http://schemas.microsoft.com/office/drawing/2014/main" id="{5E50EA4C-94D3-3217-5389-26988B0C9BA3}"/>
+                </a:ext>
+              </a:extLst>
+            </p:cNvPr>
+            <p:cNvSpPr/>
+            <p:nvPr/>
+          </p:nvSpPr>
+          <p:spPr>
+            <a:xfrm rot="10800000">
+              <a:off x="6640230" y="1727813"/>
+              <a:ext cx="45719" cy="378000"/>
+            </a:xfrm>
+            <a:prstGeom prst="rect">
+              <a:avLst/>
+            </a:prstGeom>
+            <a:solidFill>
+              <a:srgbClr val="FF0000"/>
+            </a:solidFill>
+            <a:ln w="3175">
+              <a:solidFill>
+                <a:schemeClr val="tx1"/>
+              </a:solidFill>
+            </a:ln>
+          </p:spPr>
+          <p:style>
+            <a:lnRef idx="2">
+              <a:schemeClr val="accent1">
+                <a:shade val="15000"/>
+              </a:schemeClr>
+            </a:lnRef>
+            <a:fillRef idx="1">
+              <a:schemeClr val="accent1"/>
+            </a:fillRef>
+            <a:effectRef idx="0">
+              <a:schemeClr val="accent1"/>
+            </a:effectRef>
+            <a:fontRef idx="minor">
+              <a:schemeClr val="lt1"/>
+            </a:fontRef>
+          </p:style>
+          <p:txBody>
+            <a:bodyPr rtlCol="0" anchor="ctr"/>
+            <a:lstStyle/>
+            <a:p>
+              <a:pPr algn="ctr"/>
+              <a:endParaRPr lang="ru-RU"/>
+            </a:p>
+          </p:txBody>
+        </p:sp>
+      </p:grpSp>
+      <p:sp>
+        <p:nvSpPr>
+          <p:cNvPr id="35" name="TextBox 34">
+            <a:extLst>
+              <a:ext uri="{FF2B5EF4-FFF2-40B4-BE49-F238E27FC236}">
+                <a16:creationId xmlns:a16="http://schemas.microsoft.com/office/drawing/2014/main" id="{C6469D79-C6BC-57CE-6358-A7ED8879C7DC}"/>
               </a:ext>
             </a:extLst>
           </p:cNvPr>
@@ -9215,7 +10936,7 @@
         </p:spPr>
         <p:txBody>
           <a:bodyPr vert="horz" lIns="91440" tIns="45720" rIns="91440" bIns="45720" rtlCol="0" anchor="b">
-            <a:normAutofit fontScale="92500"/>
+            <a:normAutofit/>
           </a:bodyPr>
           <a:lstStyle/>
           <a:p>
@@ -9236,83 +10957,20 @@
                 <a:ea typeface="+mj-ea"/>
                 <a:cs typeface="+mj-cs"/>
               </a:rPr>
-              <a:t>Разработка кода для </a:t>
-            </a:r>
-            <a:r>
-              <a:rPr lang="en-US" sz="4800" b="1" spc="-50" dirty="0">
-                <a:latin typeface="Aptos Display" panose="020B0004020202020204" pitchFamily="34" charset="0"/>
-                <a:ea typeface="+mj-ea"/>
-                <a:cs typeface="+mj-cs"/>
-              </a:rPr>
-              <a:t>Arduino</a:t>
-            </a:r>
-          </a:p>
-        </p:txBody>
-      </p:sp>
-      <p:pic>
-        <p:nvPicPr>
-          <p:cNvPr id="4" name="Рисунок 3">
-            <a:extLst>
-              <a:ext uri="{FF2B5EF4-FFF2-40B4-BE49-F238E27FC236}">
-                <a16:creationId xmlns:a16="http://schemas.microsoft.com/office/drawing/2014/main" id="{5D1DF953-D388-16F5-EDC4-804E055D3BF0}"/>
-              </a:ext>
-            </a:extLst>
-          </p:cNvPr>
-          <p:cNvPicPr>
-            <a:picLocks noChangeAspect="1"/>
-          </p:cNvPicPr>
-          <p:nvPr/>
-        </p:nvPicPr>
-        <p:blipFill>
-          <a:blip r:embed="rId2"/>
-          <a:stretch>
-            <a:fillRect/>
-          </a:stretch>
-        </p:blipFill>
-        <p:spPr>
-          <a:xfrm>
-            <a:off x="1122891" y="1485900"/>
-            <a:ext cx="3760716" cy="3243090"/>
-          </a:xfrm>
-          <a:prstGeom prst="rect">
-            <a:avLst/>
-          </a:prstGeom>
-        </p:spPr>
-      </p:pic>
-      <p:pic>
-        <p:nvPicPr>
-          <p:cNvPr id="5" name="Рисунок 4">
-            <a:extLst>
-              <a:ext uri="{FF2B5EF4-FFF2-40B4-BE49-F238E27FC236}">
-                <a16:creationId xmlns:a16="http://schemas.microsoft.com/office/drawing/2014/main" id="{108E05C6-1FA9-5F61-94A4-BE5C0B020405}"/>
-              </a:ext>
-            </a:extLst>
-          </p:cNvPr>
-          <p:cNvPicPr>
-            <a:picLocks noChangeAspect="1"/>
-          </p:cNvPicPr>
-          <p:nvPr/>
-        </p:nvPicPr>
-        <p:blipFill>
-          <a:blip r:embed="rId3"/>
-          <a:stretch>
-            <a:fillRect/>
-          </a:stretch>
-        </p:blipFill>
-        <p:spPr>
-          <a:xfrm>
-            <a:off x="6648760" y="1040894"/>
-            <a:ext cx="3971615" cy="5150687"/>
-          </a:xfrm>
-          <a:prstGeom prst="rect">
-            <a:avLst/>
-          </a:prstGeom>
-        </p:spPr>
-      </p:pic>
+              <a:t>Подключение устройства</a:t>
+            </a:r>
+            <a:endParaRPr lang="en-US" sz="4800" b="1" spc="-50" dirty="0">
+              <a:latin typeface="Aptos Display" panose="020B0004020202020204" pitchFamily="34" charset="0"/>
+              <a:ea typeface="+mj-ea"/>
+              <a:cs typeface="+mj-cs"/>
+            </a:endParaRPr>
+          </a:p>
+        </p:txBody>
+      </p:sp>
     </p:spTree>
     <p:extLst>
       <p:ext uri="{BB962C8B-B14F-4D97-AF65-F5344CB8AC3E}">
-        <p14:creationId xmlns:p14="http://schemas.microsoft.com/office/powerpoint/2010/main" val="4044119070"/>
+        <p14:creationId xmlns:p14="http://schemas.microsoft.com/office/powerpoint/2010/main" val="636605540"/>
       </p:ext>
     </p:extLst>
   </p:cSld>
@@ -9351,12 +11009,69 @@
           <a:chExt cx="0" cy="0"/>
         </a:xfrm>
       </p:grpSpPr>
+      <p:sp>
+        <p:nvSpPr>
+          <p:cNvPr id="2" name="TextBox 1">
+            <a:extLst>
+              <a:ext uri="{FF2B5EF4-FFF2-40B4-BE49-F238E27FC236}">
+                <a16:creationId xmlns:a16="http://schemas.microsoft.com/office/drawing/2014/main" id="{53520630-9654-A354-A0DB-B2C201B66DCF}"/>
+              </a:ext>
+            </a:extLst>
+          </p:cNvPr>
+          <p:cNvSpPr txBox="1"/>
+          <p:nvPr/>
+        </p:nvSpPr>
+        <p:spPr>
+          <a:xfrm>
+            <a:off x="2456628" y="155275"/>
+            <a:ext cx="7278743" cy="817620"/>
+          </a:xfrm>
+          <a:prstGeom prst="rect">
+            <a:avLst/>
+          </a:prstGeom>
+        </p:spPr>
+        <p:txBody>
+          <a:bodyPr vert="horz" lIns="91440" tIns="45720" rIns="91440" bIns="45720" rtlCol="0" anchor="b">
+            <a:normAutofit fontScale="92500"/>
+          </a:bodyPr>
+          <a:lstStyle/>
+          <a:p>
+            <a:pPr algn="ctr" defTabSz="914400">
+              <a:lnSpc>
+                <a:spcPct val="85000"/>
+              </a:lnSpc>
+              <a:spcBef>
+                <a:spcPct val="0"/>
+              </a:spcBef>
+              <a:spcAft>
+                <a:spcPts val="600"/>
+              </a:spcAft>
+            </a:pPr>
+            <a:r>
+              <a:rPr lang="ru-RU" sz="4800" b="1" spc="-50" dirty="0">
+                <a:latin typeface="Aptos Display" panose="020B0004020202020204" pitchFamily="34" charset="0"/>
+                <a:ea typeface="+mj-ea"/>
+                <a:cs typeface="+mj-cs"/>
+              </a:rPr>
+              <a:t>Разработка кода для </a:t>
+            </a:r>
+            <a:r>
+              <a:rPr lang="en-US" sz="4800" b="1" spc="-50" dirty="0">
+                <a:latin typeface="Aptos Display" panose="020B0004020202020204" pitchFamily="34" charset="0"/>
+                <a:ea typeface="+mj-ea"/>
+                <a:cs typeface="+mj-cs"/>
+              </a:rPr>
+              <a:t>Arduino</a:t>
+            </a:r>
+          </a:p>
+        </p:txBody>
+      </p:sp>
       <p:pic>
         <p:nvPicPr>
-          <p:cNvPr id="2" name="Рисунок 1">
+          <p:cNvPr id="4" name="Рисунок 3">
             <a:extLst>
               <a:ext uri="{FF2B5EF4-FFF2-40B4-BE49-F238E27FC236}">
-                <a16:creationId xmlns:a16="http://schemas.microsoft.com/office/drawing/2014/main" id="{1C13B008-0733-DD8F-0913-F15C5F79B862}"/>
+                <a16:creationId xmlns:a16="http://schemas.microsoft.com/office/drawing/2014/main" id="{5D1DF953-D388-16F5-EDC4-804E055D3BF0}"/>
               </a:ext>
             </a:extLst>
           </p:cNvPr>
@@ -9373,74 +11088,20 @@
         </p:blipFill>
         <p:spPr>
           <a:xfrm>
-            <a:off x="7224949" y="959930"/>
-            <a:ext cx="3654894" cy="4389500"/>
+            <a:off x="1122891" y="1485900"/>
+            <a:ext cx="3760716" cy="3243090"/>
           </a:xfrm>
           <a:prstGeom prst="rect">
             <a:avLst/>
           </a:prstGeom>
         </p:spPr>
       </p:pic>
-      <p:sp>
-        <p:nvSpPr>
-          <p:cNvPr id="3" name="TextBox 2">
+      <p:pic>
+        <p:nvPicPr>
+          <p:cNvPr id="5" name="Рисунок 4">
             <a:extLst>
               <a:ext uri="{FF2B5EF4-FFF2-40B4-BE49-F238E27FC236}">
-                <a16:creationId xmlns:a16="http://schemas.microsoft.com/office/drawing/2014/main" id="{ACC6B3C7-DA62-F218-20A1-9C8F62977046}"/>
-              </a:ext>
-            </a:extLst>
-          </p:cNvPr>
-          <p:cNvSpPr txBox="1"/>
-          <p:nvPr/>
-        </p:nvSpPr>
-        <p:spPr>
-          <a:xfrm>
-            <a:off x="2316751" y="0"/>
-            <a:ext cx="7558498" cy="817620"/>
-          </a:xfrm>
-          <a:prstGeom prst="rect">
-            <a:avLst/>
-          </a:prstGeom>
-        </p:spPr>
-        <p:txBody>
-          <a:bodyPr vert="horz" lIns="91440" tIns="45720" rIns="91440" bIns="45720" rtlCol="0" anchor="b">
-            <a:normAutofit fontScale="92500"/>
-          </a:bodyPr>
-          <a:lstStyle/>
-          <a:p>
-            <a:pPr algn="ctr" defTabSz="914400">
-              <a:lnSpc>
-                <a:spcPct val="85000"/>
-              </a:lnSpc>
-              <a:spcBef>
-                <a:spcPct val="0"/>
-              </a:spcBef>
-              <a:spcAft>
-                <a:spcPts val="600"/>
-              </a:spcAft>
-            </a:pPr>
-            <a:r>
-              <a:rPr lang="ru-RU" sz="3600" b="1" spc="-50" dirty="0">
-                <a:latin typeface="Aptos Display" panose="020B0004020202020204" pitchFamily="34" charset="0"/>
-                <a:ea typeface="+mj-ea"/>
-                <a:cs typeface="+mj-cs"/>
-              </a:rPr>
-              <a:t>Разработка настольного приложения</a:t>
-            </a:r>
-            <a:endParaRPr lang="en-US" sz="3600" b="1" spc="-50" dirty="0">
-              <a:latin typeface="Aptos Display" panose="020B0004020202020204" pitchFamily="34" charset="0"/>
-              <a:ea typeface="+mj-ea"/>
-              <a:cs typeface="+mj-cs"/>
-            </a:endParaRPr>
-          </a:p>
-        </p:txBody>
-      </p:sp>
-      <p:pic>
-        <p:nvPicPr>
-          <p:cNvPr id="6" name="Рисунок 5">
-            <a:extLst>
-              <a:ext uri="{FF2B5EF4-FFF2-40B4-BE49-F238E27FC236}">
-                <a16:creationId xmlns:a16="http://schemas.microsoft.com/office/drawing/2014/main" id="{659F4BEC-02CC-A6C3-9195-DB63B57F36A2}"/>
+                <a16:creationId xmlns:a16="http://schemas.microsoft.com/office/drawing/2014/main" id="{108E05C6-1FA9-5F61-94A4-BE5C0B020405}"/>
               </a:ext>
             </a:extLst>
           </p:cNvPr>
@@ -9457,126 +11118,18 @@
         </p:blipFill>
         <p:spPr>
           <a:xfrm>
-            <a:off x="966719" y="959930"/>
-            <a:ext cx="3901778" cy="4389500"/>
+            <a:off x="6648760" y="1040894"/>
+            <a:ext cx="3971615" cy="5150687"/>
           </a:xfrm>
           <a:prstGeom prst="rect">
             <a:avLst/>
           </a:prstGeom>
         </p:spPr>
       </p:pic>
-      <p:sp>
-        <p:nvSpPr>
-          <p:cNvPr id="7" name="TextBox 6">
-            <a:extLst>
-              <a:ext uri="{FF2B5EF4-FFF2-40B4-BE49-F238E27FC236}">
-                <a16:creationId xmlns:a16="http://schemas.microsoft.com/office/drawing/2014/main" id="{AD860E47-E542-DF7E-D4EE-5D49BA1D7EEB}"/>
-              </a:ext>
-            </a:extLst>
-          </p:cNvPr>
-          <p:cNvSpPr txBox="1"/>
-          <p:nvPr/>
-        </p:nvSpPr>
-        <p:spPr>
-          <a:xfrm>
-            <a:off x="2003343" y="5436050"/>
-            <a:ext cx="1828529" cy="462020"/>
-          </a:xfrm>
-          <a:prstGeom prst="rect">
-            <a:avLst/>
-          </a:prstGeom>
-        </p:spPr>
-        <p:txBody>
-          <a:bodyPr vert="horz" lIns="91440" tIns="45720" rIns="91440" bIns="45720" rtlCol="0" anchor="b">
-            <a:normAutofit/>
-          </a:bodyPr>
-          <a:lstStyle/>
-          <a:p>
-            <a:pPr algn="ctr" defTabSz="914400">
-              <a:lnSpc>
-                <a:spcPct val="85000"/>
-              </a:lnSpc>
-              <a:spcBef>
-                <a:spcPct val="0"/>
-              </a:spcBef>
-              <a:spcAft>
-                <a:spcPts val="600"/>
-              </a:spcAft>
-            </a:pPr>
-            <a:r>
-              <a:rPr lang="ru-RU" sz="2400" b="1" spc="-50" dirty="0">
-                <a:latin typeface="Aptos Display" panose="020B0004020202020204" pitchFamily="34" charset="0"/>
-                <a:ea typeface="+mj-ea"/>
-                <a:cs typeface="+mj-cs"/>
-              </a:rPr>
-              <a:t>Макет</a:t>
-            </a:r>
-            <a:endParaRPr lang="en-US" sz="3600" b="1" spc="-50" dirty="0">
-              <a:latin typeface="Aptos Display" panose="020B0004020202020204" pitchFamily="34" charset="0"/>
-              <a:ea typeface="+mj-ea"/>
-              <a:cs typeface="+mj-cs"/>
-            </a:endParaRPr>
-          </a:p>
-        </p:txBody>
-      </p:sp>
-      <p:sp>
-        <p:nvSpPr>
-          <p:cNvPr id="8" name="TextBox 7">
-            <a:extLst>
-              <a:ext uri="{FF2B5EF4-FFF2-40B4-BE49-F238E27FC236}">
-                <a16:creationId xmlns:a16="http://schemas.microsoft.com/office/drawing/2014/main" id="{BEB143DC-0702-3844-EBFA-22597D9B7670}"/>
-              </a:ext>
-            </a:extLst>
-          </p:cNvPr>
-          <p:cNvSpPr txBox="1"/>
-          <p:nvPr/>
-        </p:nvSpPr>
-        <p:spPr>
-          <a:xfrm>
-            <a:off x="8027133" y="5436050"/>
-            <a:ext cx="2050526" cy="462020"/>
-          </a:xfrm>
-          <a:prstGeom prst="rect">
-            <a:avLst/>
-          </a:prstGeom>
-        </p:spPr>
-        <p:txBody>
-          <a:bodyPr vert="horz" lIns="91440" tIns="45720" rIns="91440" bIns="45720" rtlCol="0" anchor="b">
-            <a:normAutofit/>
-          </a:bodyPr>
-          <a:lstStyle/>
-          <a:p>
-            <a:pPr algn="ctr" defTabSz="914400">
-              <a:lnSpc>
-                <a:spcPct val="85000"/>
-              </a:lnSpc>
-              <a:spcBef>
-                <a:spcPct val="0"/>
-              </a:spcBef>
-              <a:spcAft>
-                <a:spcPts val="600"/>
-              </a:spcAft>
-            </a:pPr>
-            <a:r>
-              <a:rPr lang="ru-RU" sz="2400" b="1" spc="-50" dirty="0">
-                <a:latin typeface="Aptos Display" panose="020B0004020202020204" pitchFamily="34" charset="0"/>
-                <a:ea typeface="+mj-ea"/>
-                <a:cs typeface="+mj-cs"/>
-              </a:rPr>
-              <a:t>Приложение</a:t>
-            </a:r>
-            <a:endParaRPr lang="en-US" sz="3600" b="1" spc="-50" dirty="0">
-              <a:latin typeface="Aptos Display" panose="020B0004020202020204" pitchFamily="34" charset="0"/>
-              <a:ea typeface="+mj-ea"/>
-              <a:cs typeface="+mj-cs"/>
-            </a:endParaRPr>
-          </a:p>
-        </p:txBody>
-      </p:sp>
     </p:spTree>
     <p:extLst>
       <p:ext uri="{BB962C8B-B14F-4D97-AF65-F5344CB8AC3E}">
-        <p14:creationId xmlns:p14="http://schemas.microsoft.com/office/powerpoint/2010/main" val="2976644676"/>
+        <p14:creationId xmlns:p14="http://schemas.microsoft.com/office/powerpoint/2010/main" val="4044119070"/>
       </p:ext>
     </p:extLst>
   </p:cSld>
@@ -9617,10 +11170,10 @@
       </p:grpSpPr>
       <p:pic>
         <p:nvPicPr>
-          <p:cNvPr id="5" name="Рисунок 4">
+          <p:cNvPr id="2" name="Рисунок 1">
             <a:extLst>
               <a:ext uri="{FF2B5EF4-FFF2-40B4-BE49-F238E27FC236}">
-                <a16:creationId xmlns:a16="http://schemas.microsoft.com/office/drawing/2014/main" id="{0A6D95DB-2C8F-FDE9-0175-1A77E1BFA9D0}"/>
+                <a16:creationId xmlns:a16="http://schemas.microsoft.com/office/drawing/2014/main" id="{1C13B008-0733-DD8F-0913-F15C5F79B862}"/>
               </a:ext>
             </a:extLst>
           </p:cNvPr>
@@ -9637,20 +11190,74 @@
         </p:blipFill>
         <p:spPr>
           <a:xfrm>
-            <a:off x="711200" y="203200"/>
-            <a:ext cx="2899881" cy="6116613"/>
+            <a:off x="7224949" y="959930"/>
+            <a:ext cx="3654894" cy="4389500"/>
           </a:xfrm>
           <a:prstGeom prst="rect">
             <a:avLst/>
           </a:prstGeom>
         </p:spPr>
       </p:pic>
+      <p:sp>
+        <p:nvSpPr>
+          <p:cNvPr id="3" name="TextBox 2">
+            <a:extLst>
+              <a:ext uri="{FF2B5EF4-FFF2-40B4-BE49-F238E27FC236}">
+                <a16:creationId xmlns:a16="http://schemas.microsoft.com/office/drawing/2014/main" id="{ACC6B3C7-DA62-F218-20A1-9C8F62977046}"/>
+              </a:ext>
+            </a:extLst>
+          </p:cNvPr>
+          <p:cNvSpPr txBox="1"/>
+          <p:nvPr/>
+        </p:nvSpPr>
+        <p:spPr>
+          <a:xfrm>
+            <a:off x="2316751" y="0"/>
+            <a:ext cx="7558498" cy="817620"/>
+          </a:xfrm>
+          <a:prstGeom prst="rect">
+            <a:avLst/>
+          </a:prstGeom>
+        </p:spPr>
+        <p:txBody>
+          <a:bodyPr vert="horz" lIns="91440" tIns="45720" rIns="91440" bIns="45720" rtlCol="0" anchor="b">
+            <a:normAutofit fontScale="92500"/>
+          </a:bodyPr>
+          <a:lstStyle/>
+          <a:p>
+            <a:pPr algn="ctr" defTabSz="914400">
+              <a:lnSpc>
+                <a:spcPct val="85000"/>
+              </a:lnSpc>
+              <a:spcBef>
+                <a:spcPct val="0"/>
+              </a:spcBef>
+              <a:spcAft>
+                <a:spcPts val="600"/>
+              </a:spcAft>
+            </a:pPr>
+            <a:r>
+              <a:rPr lang="ru-RU" sz="3600" b="1" spc="-50" dirty="0">
+                <a:latin typeface="Aptos Display" panose="020B0004020202020204" pitchFamily="34" charset="0"/>
+                <a:ea typeface="+mj-ea"/>
+                <a:cs typeface="+mj-cs"/>
+              </a:rPr>
+              <a:t>Разработка настольного приложения</a:t>
+            </a:r>
+            <a:endParaRPr lang="en-US" sz="3600" b="1" spc="-50" dirty="0">
+              <a:latin typeface="Aptos Display" panose="020B0004020202020204" pitchFamily="34" charset="0"/>
+              <a:ea typeface="+mj-ea"/>
+              <a:cs typeface="+mj-cs"/>
+            </a:endParaRPr>
+          </a:p>
+        </p:txBody>
+      </p:sp>
       <p:pic>
         <p:nvPicPr>
-          <p:cNvPr id="12" name="Рисунок 11">
+          <p:cNvPr id="6" name="Рисунок 5">
             <a:extLst>
               <a:ext uri="{FF2B5EF4-FFF2-40B4-BE49-F238E27FC236}">
-                <a16:creationId xmlns:a16="http://schemas.microsoft.com/office/drawing/2014/main" id="{CB1229CD-D73C-BB79-ECE9-0191EE1CE554}"/>
+                <a16:creationId xmlns:a16="http://schemas.microsoft.com/office/drawing/2014/main" id="{659F4BEC-02CC-A6C3-9195-DB63B57F36A2}"/>
               </a:ext>
             </a:extLst>
           </p:cNvPr>
@@ -9667,8 +11274,8 @@
         </p:blipFill>
         <p:spPr>
           <a:xfrm>
-            <a:off x="4377359" y="830355"/>
-            <a:ext cx="7643522" cy="5197290"/>
+            <a:off x="966719" y="959930"/>
+            <a:ext cx="3901778" cy="4389500"/>
           </a:xfrm>
           <a:prstGeom prst="rect">
             <a:avLst/>
@@ -9677,10 +11284,10 @@
       </p:pic>
       <p:sp>
         <p:nvSpPr>
-          <p:cNvPr id="13" name="TextBox 12">
+          <p:cNvPr id="7" name="TextBox 6">
             <a:extLst>
               <a:ext uri="{FF2B5EF4-FFF2-40B4-BE49-F238E27FC236}">
-                <a16:creationId xmlns:a16="http://schemas.microsoft.com/office/drawing/2014/main" id="{86DF35F3-B44C-A9DA-6572-7D10509F0C7F}"/>
+                <a16:creationId xmlns:a16="http://schemas.microsoft.com/office/drawing/2014/main" id="{AD860E47-E542-DF7E-D4EE-5D49BA1D7EEB}"/>
               </a:ext>
             </a:extLst>
           </p:cNvPr>
@@ -9689,8 +11296,8 @@
         </p:nvSpPr>
         <p:spPr>
           <a:xfrm>
-            <a:off x="2316751" y="106647"/>
-            <a:ext cx="7558498" cy="634740"/>
+            <a:off x="2003343" y="5436050"/>
+            <a:ext cx="1828529" cy="462020"/>
           </a:xfrm>
           <a:prstGeom prst="rect">
             <a:avLst/>
@@ -9714,12 +11321,12 @@
               </a:spcAft>
             </a:pPr>
             <a:r>
-              <a:rPr lang="ru-RU" sz="3600" b="1" spc="-50" dirty="0">
+              <a:rPr lang="ru-RU" sz="2400" b="1" spc="-50" dirty="0">
                 <a:latin typeface="Aptos Display" panose="020B0004020202020204" pitchFamily="34" charset="0"/>
                 <a:ea typeface="+mj-ea"/>
                 <a:cs typeface="+mj-cs"/>
               </a:rPr>
-              <a:t>Пример реализации функционала</a:t>
+              <a:t>Макет</a:t>
             </a:r>
             <a:endParaRPr lang="en-US" sz="3600" b="1" spc="-50" dirty="0">
               <a:latin typeface="Aptos Display" panose="020B0004020202020204" pitchFamily="34" charset="0"/>
@@ -9729,10 +11336,64 @@
           </a:p>
         </p:txBody>
       </p:sp>
+      <p:sp>
+        <p:nvSpPr>
+          <p:cNvPr id="8" name="TextBox 7">
+            <a:extLst>
+              <a:ext uri="{FF2B5EF4-FFF2-40B4-BE49-F238E27FC236}">
+                <a16:creationId xmlns:a16="http://schemas.microsoft.com/office/drawing/2014/main" id="{BEB143DC-0702-3844-EBFA-22597D9B7670}"/>
+              </a:ext>
+            </a:extLst>
+          </p:cNvPr>
+          <p:cNvSpPr txBox="1"/>
+          <p:nvPr/>
+        </p:nvSpPr>
+        <p:spPr>
+          <a:xfrm>
+            <a:off x="8027133" y="5436050"/>
+            <a:ext cx="2050526" cy="462020"/>
+          </a:xfrm>
+          <a:prstGeom prst="rect">
+            <a:avLst/>
+          </a:prstGeom>
+        </p:spPr>
+        <p:txBody>
+          <a:bodyPr vert="horz" lIns="91440" tIns="45720" rIns="91440" bIns="45720" rtlCol="0" anchor="b">
+            <a:normAutofit/>
+          </a:bodyPr>
+          <a:lstStyle/>
+          <a:p>
+            <a:pPr algn="ctr" defTabSz="914400">
+              <a:lnSpc>
+                <a:spcPct val="85000"/>
+              </a:lnSpc>
+              <a:spcBef>
+                <a:spcPct val="0"/>
+              </a:spcBef>
+              <a:spcAft>
+                <a:spcPts val="600"/>
+              </a:spcAft>
+            </a:pPr>
+            <a:r>
+              <a:rPr lang="ru-RU" sz="2400" b="1" spc="-50" dirty="0">
+                <a:latin typeface="Aptos Display" panose="020B0004020202020204" pitchFamily="34" charset="0"/>
+                <a:ea typeface="+mj-ea"/>
+                <a:cs typeface="+mj-cs"/>
+              </a:rPr>
+              <a:t>Приложение</a:t>
+            </a:r>
+            <a:endParaRPr lang="en-US" sz="3600" b="1" spc="-50" dirty="0">
+              <a:latin typeface="Aptos Display" panose="020B0004020202020204" pitchFamily="34" charset="0"/>
+              <a:ea typeface="+mj-ea"/>
+              <a:cs typeface="+mj-cs"/>
+            </a:endParaRPr>
+          </a:p>
+        </p:txBody>
+      </p:sp>
     </p:spTree>
     <p:extLst>
       <p:ext uri="{BB962C8B-B14F-4D97-AF65-F5344CB8AC3E}">
-        <p14:creationId xmlns:p14="http://schemas.microsoft.com/office/powerpoint/2010/main" val="3686006648"/>
+        <p14:creationId xmlns:p14="http://schemas.microsoft.com/office/powerpoint/2010/main" val="2976644676"/>
       </p:ext>
     </p:extLst>
   </p:cSld>
@@ -9771,12 +11432,66 @@
           <a:chExt cx="0" cy="0"/>
         </a:xfrm>
       </p:grpSpPr>
+      <p:sp>
+        <p:nvSpPr>
+          <p:cNvPr id="13" name="TextBox 12">
+            <a:extLst>
+              <a:ext uri="{FF2B5EF4-FFF2-40B4-BE49-F238E27FC236}">
+                <a16:creationId xmlns:a16="http://schemas.microsoft.com/office/drawing/2014/main" id="{86DF35F3-B44C-A9DA-6572-7D10509F0C7F}"/>
+              </a:ext>
+            </a:extLst>
+          </p:cNvPr>
+          <p:cNvSpPr txBox="1"/>
+          <p:nvPr/>
+        </p:nvSpPr>
+        <p:spPr>
+          <a:xfrm>
+            <a:off x="2316751" y="106647"/>
+            <a:ext cx="7558498" cy="634740"/>
+          </a:xfrm>
+          <a:prstGeom prst="rect">
+            <a:avLst/>
+          </a:prstGeom>
+        </p:spPr>
+        <p:txBody>
+          <a:bodyPr vert="horz" lIns="91440" tIns="45720" rIns="91440" bIns="45720" rtlCol="0" anchor="b">
+            <a:normAutofit/>
+          </a:bodyPr>
+          <a:lstStyle/>
+          <a:p>
+            <a:pPr algn="ctr" defTabSz="914400">
+              <a:lnSpc>
+                <a:spcPct val="85000"/>
+              </a:lnSpc>
+              <a:spcBef>
+                <a:spcPct val="0"/>
+              </a:spcBef>
+              <a:spcAft>
+                <a:spcPts val="600"/>
+              </a:spcAft>
+            </a:pPr>
+            <a:r>
+              <a:rPr lang="ru-RU" sz="3600" b="1" spc="-50" dirty="0">
+                <a:latin typeface="Aptos Display" panose="020B0004020202020204" pitchFamily="34" charset="0"/>
+                <a:ea typeface="+mj-ea"/>
+                <a:cs typeface="+mj-cs"/>
+              </a:rPr>
+              <a:t>Пример реализации функционала</a:t>
+            </a:r>
+            <a:endParaRPr lang="en-US" sz="3600" b="1" spc="-50" dirty="0">
+              <a:latin typeface="Aptos Display" panose="020B0004020202020204" pitchFamily="34" charset="0"/>
+              <a:ea typeface="+mj-ea"/>
+              <a:cs typeface="+mj-cs"/>
+            </a:endParaRPr>
+          </a:p>
+        </p:txBody>
+      </p:sp>
       <p:pic>
         <p:nvPicPr>
-          <p:cNvPr id="6" name="Рисунок 5">
+          <p:cNvPr id="2" name="Рисунок 1">
             <a:extLst>
               <a:ext uri="{FF2B5EF4-FFF2-40B4-BE49-F238E27FC236}">
-                <a16:creationId xmlns:a16="http://schemas.microsoft.com/office/drawing/2014/main" id="{00BF6A02-3F28-32E4-8935-1E4CE8A258E3}"/>
+                <a16:creationId xmlns:a16="http://schemas.microsoft.com/office/drawing/2014/main" id="{2DD734F5-5316-4D3B-CBE7-6504D22D221E}"/>
               </a:ext>
             </a:extLst>
           </p:cNvPr>
@@ -9793,8 +11508,8 @@
         </p:blipFill>
         <p:spPr>
           <a:xfrm>
-            <a:off x="979641" y="274262"/>
-            <a:ext cx="2514591" cy="5753383"/>
+            <a:off x="840752" y="357915"/>
+            <a:ext cx="1745578" cy="5920998"/>
           </a:xfrm>
           <a:prstGeom prst="rect">
             <a:avLst/>
@@ -9803,10 +11518,10 @@
       </p:pic>
       <p:pic>
         <p:nvPicPr>
-          <p:cNvPr id="5" name="Рисунок 4">
+          <p:cNvPr id="3" name="Рисунок 2">
             <a:extLst>
               <a:ext uri="{FF2B5EF4-FFF2-40B4-BE49-F238E27FC236}">
-                <a16:creationId xmlns:a16="http://schemas.microsoft.com/office/drawing/2014/main" id="{9D3BE6B5-1448-97E0-385B-4EBA96286F93}"/>
+                <a16:creationId xmlns:a16="http://schemas.microsoft.com/office/drawing/2014/main" id="{D44EDC70-0C18-2A41-8555-FF0350D3C9E4}"/>
               </a:ext>
             </a:extLst>
           </p:cNvPr>
@@ -9823,8 +11538,8 @@
         </p:blipFill>
         <p:spPr>
           <a:xfrm>
-            <a:off x="4330837" y="830355"/>
-            <a:ext cx="7643522" cy="5197290"/>
+            <a:off x="4377511" y="708034"/>
+            <a:ext cx="6015323" cy="5570879"/>
           </a:xfrm>
           <a:prstGeom prst="rect">
             <a:avLst/>
@@ -9834,7 +11549,7 @@
     </p:spTree>
     <p:extLst>
       <p:ext uri="{BB962C8B-B14F-4D97-AF65-F5344CB8AC3E}">
-        <p14:creationId xmlns:p14="http://schemas.microsoft.com/office/powerpoint/2010/main" val="1582735905"/>
+        <p14:creationId xmlns:p14="http://schemas.microsoft.com/office/powerpoint/2010/main" val="3686006648"/>
       </p:ext>
     </p:extLst>
   </p:cSld>
